--- a/部门建设.pptx
+++ b/部门建设.pptx
@@ -13,12 +13,10 @@
     <p:sldId id="258" r:id="rId8"/>
     <p:sldId id="261" r:id="rId9"/>
     <p:sldId id="262" r:id="rId10"/>
-    <p:sldId id="263" r:id="rId11"/>
-    <p:sldId id="264" r:id="rId12"/>
-    <p:sldId id="265" r:id="rId13"/>
-    <p:sldId id="266" r:id="rId14"/>
-    <p:sldId id="270" r:id="rId15"/>
-    <p:sldId id="267" r:id="rId16"/>
+    <p:sldId id="264" r:id="rId11"/>
+    <p:sldId id="265" r:id="rId12"/>
+    <p:sldId id="266" r:id="rId13"/>
+    <p:sldId id="270" r:id="rId14"/>
   </p:sldIdLst>
   <p:sldSz cx="12192000" cy="6858000"/>
   <p:notesSz cx="6858000" cy="9144000"/>
@@ -5852,6 +5850,9 @@
   <p:clrMapOvr>
     <a:masterClrMapping/>
   </p:clrMapOvr>
+  <p:transition>
+    <p:fade/>
+  </p:transition>
 </p:sld>
 </file>
 
@@ -5939,7 +5940,7 @@
                 <a:ea typeface="微软雅黑" panose="020B0503020204020204" charset="-122"/>
                 <a:cs typeface="微软雅黑" panose="020B0503020204020204" charset="-122"/>
               </a:rPr>
-              <a:t>2</a:t>
+              <a:t>3</a:t>
             </a:r>
             <a:r>
               <a:rPr>
@@ -5955,298 +5956,16 @@
                 <a:ea typeface="微软雅黑" panose="020B0503020204020204" charset="-122"/>
                 <a:cs typeface="微软雅黑" panose="020B0503020204020204" charset="-122"/>
               </a:rPr>
-              <a:t>编程</a:t>
-            </a:r>
-            <a:r>
-              <a:rPr lang="en-US" altLang="zh-CN">
-                <a:latin typeface="微软雅黑" panose="020B0503020204020204" charset="-122"/>
-                <a:ea typeface="微软雅黑" panose="020B0503020204020204" charset="-122"/>
-                <a:cs typeface="微软雅黑" panose="020B0503020204020204" charset="-122"/>
-              </a:rPr>
-              <a:t>IDE</a:t>
-            </a:r>
-            <a:endParaRPr lang="en-US" altLang="zh-CN">
+              <a:t>工作环境布置</a:t>
+            </a:r>
+            <a:endParaRPr lang="zh-CN">
               <a:latin typeface="微软雅黑" panose="020B0503020204020204" charset="-122"/>
               <a:ea typeface="微软雅黑" panose="020B0503020204020204" charset="-122"/>
               <a:cs typeface="微软雅黑" panose="020B0503020204020204" charset="-122"/>
             </a:endParaRPr>
           </a:p>
           <a:p>
-            <a:endParaRPr lang="en-US" altLang="zh-CN">
-              <a:latin typeface="微软雅黑" panose="020B0503020204020204" charset="-122"/>
-              <a:ea typeface="微软雅黑" panose="020B0503020204020204" charset="-122"/>
-              <a:cs typeface="微软雅黑" panose="020B0503020204020204" charset="-122"/>
-            </a:endParaRPr>
-          </a:p>
-          <a:p>
-            <a:r>
-              <a:rPr lang="zh-CN" altLang="en-US">
-                <a:latin typeface="微软雅黑" panose="020B0503020204020204" charset="-122"/>
-                <a:ea typeface="微软雅黑" panose="020B0503020204020204" charset="-122"/>
-                <a:cs typeface="微软雅黑" panose="020B0503020204020204" charset="-122"/>
-              </a:rPr>
-              <a:t>文本编辑： </a:t>
-            </a:r>
-            <a:r>
-              <a:rPr lang="en-US" altLang="zh-CN">
-                <a:latin typeface="微软雅黑" panose="020B0503020204020204" charset="-122"/>
-                <a:ea typeface="微软雅黑" panose="020B0503020204020204" charset="-122"/>
-                <a:cs typeface="微软雅黑" panose="020B0503020204020204" charset="-122"/>
-              </a:rPr>
-              <a:t>NotePad++</a:t>
-            </a:r>
-            <a:r>
-              <a:rPr lang="zh-CN" altLang="en-US">
-                <a:latin typeface="微软雅黑" panose="020B0503020204020204" charset="-122"/>
-                <a:ea typeface="微软雅黑" panose="020B0503020204020204" charset="-122"/>
-                <a:cs typeface="微软雅黑" panose="020B0503020204020204" charset="-122"/>
-              </a:rPr>
-              <a:t>、</a:t>
-            </a:r>
-            <a:r>
-              <a:rPr lang="en-US" altLang="zh-CN">
-                <a:latin typeface="微软雅黑" panose="020B0503020204020204" charset="-122"/>
-                <a:ea typeface="微软雅黑" panose="020B0503020204020204" charset="-122"/>
-                <a:cs typeface="微软雅黑" panose="020B0503020204020204" charset="-122"/>
-              </a:rPr>
-              <a:t>vim</a:t>
-            </a:r>
-            <a:r>
-              <a:rPr lang="zh-CN" altLang="en-US">
-                <a:latin typeface="微软雅黑" panose="020B0503020204020204" charset="-122"/>
-                <a:ea typeface="微软雅黑" panose="020B0503020204020204" charset="-122"/>
-                <a:cs typeface="微软雅黑" panose="020B0503020204020204" charset="-122"/>
-              </a:rPr>
-              <a:t>、</a:t>
-            </a:r>
-            <a:r>
-              <a:rPr lang="en-US" altLang="zh-CN">
-                <a:latin typeface="微软雅黑" panose="020B0503020204020204" charset="-122"/>
-                <a:ea typeface="微软雅黑" panose="020B0503020204020204" charset="-122"/>
-                <a:cs typeface="微软雅黑" panose="020B0503020204020204" charset="-122"/>
-              </a:rPr>
-              <a:t>nano</a:t>
-            </a:r>
-            <a:r>
-              <a:rPr lang="zh-CN" altLang="en-US">
-                <a:latin typeface="微软雅黑" panose="020B0503020204020204" charset="-122"/>
-                <a:ea typeface="微软雅黑" panose="020B0503020204020204" charset="-122"/>
-                <a:cs typeface="微软雅黑" panose="020B0503020204020204" charset="-122"/>
-              </a:rPr>
-              <a:t>、</a:t>
-            </a:r>
-            <a:r>
-              <a:rPr lang="en-US" altLang="zh-CN">
-                <a:latin typeface="微软雅黑" panose="020B0503020204020204" charset="-122"/>
-                <a:ea typeface="微软雅黑" panose="020B0503020204020204" charset="-122"/>
-                <a:cs typeface="微软雅黑" panose="020B0503020204020204" charset="-122"/>
-              </a:rPr>
-              <a:t>gedit</a:t>
-            </a:r>
-            <a:r>
-              <a:rPr lang="zh-CN" altLang="en-US">
-                <a:latin typeface="微软雅黑" panose="020B0503020204020204" charset="-122"/>
-                <a:ea typeface="微软雅黑" panose="020B0503020204020204" charset="-122"/>
-                <a:cs typeface="微软雅黑" panose="020B0503020204020204" charset="-122"/>
-              </a:rPr>
-              <a:t>等。</a:t>
-            </a:r>
-            <a:endParaRPr lang="en-US" altLang="zh-CN">
-              <a:latin typeface="微软雅黑" panose="020B0503020204020204" charset="-122"/>
-              <a:ea typeface="微软雅黑" panose="020B0503020204020204" charset="-122"/>
-              <a:cs typeface="微软雅黑" panose="020B0503020204020204" charset="-122"/>
-            </a:endParaRPr>
-          </a:p>
-          <a:p>
-            <a:r>
-              <a:rPr lang="en-US" altLang="zh-CN">
-                <a:latin typeface="微软雅黑" panose="020B0503020204020204" charset="-122"/>
-                <a:ea typeface="微软雅黑" panose="020B0503020204020204" charset="-122"/>
-                <a:cs typeface="微软雅黑" panose="020B0503020204020204" charset="-122"/>
-              </a:rPr>
-              <a:t>Java</a:t>
-            </a:r>
-            <a:r>
-              <a:rPr lang="zh-CN" altLang="en-US">
-                <a:latin typeface="微软雅黑" panose="020B0503020204020204" charset="-122"/>
-                <a:ea typeface="微软雅黑" panose="020B0503020204020204" charset="-122"/>
-                <a:cs typeface="微软雅黑" panose="020B0503020204020204" charset="-122"/>
-              </a:rPr>
-              <a:t>开发： 推荐使用</a:t>
-            </a:r>
-            <a:r>
-              <a:rPr lang="en-US" altLang="zh-CN">
-                <a:latin typeface="微软雅黑" panose="020B0503020204020204" charset="-122"/>
-                <a:ea typeface="微软雅黑" panose="020B0503020204020204" charset="-122"/>
-                <a:cs typeface="微软雅黑" panose="020B0503020204020204" charset="-122"/>
-              </a:rPr>
-              <a:t>IntelliJ IDEA</a:t>
-            </a:r>
-            <a:r>
-              <a:rPr lang="zh-CN" altLang="en-US">
-                <a:latin typeface="微软雅黑" panose="020B0503020204020204" charset="-122"/>
-                <a:ea typeface="微软雅黑" panose="020B0503020204020204" charset="-122"/>
-                <a:cs typeface="微软雅黑" panose="020B0503020204020204" charset="-122"/>
-              </a:rPr>
-              <a:t>。</a:t>
-            </a:r>
-            <a:endParaRPr lang="zh-CN" altLang="en-US">
-              <a:latin typeface="微软雅黑" panose="020B0503020204020204" charset="-122"/>
-              <a:ea typeface="微软雅黑" panose="020B0503020204020204" charset="-122"/>
-              <a:cs typeface="微软雅黑" panose="020B0503020204020204" charset="-122"/>
-            </a:endParaRPr>
-          </a:p>
-          <a:p>
-            <a:r>
-              <a:rPr lang="zh-CN" altLang="en-US">
-                <a:latin typeface="微软雅黑" panose="020B0503020204020204" charset="-122"/>
-                <a:ea typeface="微软雅黑" panose="020B0503020204020204" charset="-122"/>
-                <a:cs typeface="微软雅黑" panose="020B0503020204020204" charset="-122"/>
-              </a:rPr>
-              <a:t>前端开发： 推荐使用IntelliJ IDEA或者IntelliJ </a:t>
-            </a:r>
-            <a:r>
-              <a:rPr lang="en-US" altLang="zh-CN">
-                <a:latin typeface="微软雅黑" panose="020B0503020204020204" charset="-122"/>
-                <a:ea typeface="微软雅黑" panose="020B0503020204020204" charset="-122"/>
-                <a:cs typeface="微软雅黑" panose="020B0503020204020204" charset="-122"/>
-              </a:rPr>
-              <a:t>WebStorm</a:t>
-            </a:r>
-            <a:r>
-              <a:rPr lang="zh-CN" altLang="en-US">
-                <a:latin typeface="微软雅黑" panose="020B0503020204020204" charset="-122"/>
-                <a:ea typeface="微软雅黑" panose="020B0503020204020204" charset="-122"/>
-                <a:cs typeface="微软雅黑" panose="020B0503020204020204" charset="-122"/>
-              </a:rPr>
-              <a:t>。</a:t>
-            </a:r>
-            <a:endParaRPr lang="zh-CN" altLang="en-US">
-              <a:latin typeface="微软雅黑" panose="020B0503020204020204" charset="-122"/>
-              <a:ea typeface="微软雅黑" panose="020B0503020204020204" charset="-122"/>
-              <a:cs typeface="微软雅黑" panose="020B0503020204020204" charset="-122"/>
-            </a:endParaRPr>
-          </a:p>
-          <a:p>
-            <a:r>
-              <a:rPr lang="zh-CN" altLang="en-US">
-                <a:latin typeface="微软雅黑" panose="020B0503020204020204" charset="-122"/>
-                <a:ea typeface="微软雅黑" panose="020B0503020204020204" charset="-122"/>
-                <a:cs typeface="微软雅黑" panose="020B0503020204020204" charset="-122"/>
-              </a:rPr>
-              <a:t>其他开发：</a:t>
-            </a:r>
-            <a:endParaRPr lang="zh-CN" altLang="en-US">
-              <a:latin typeface="微软雅黑" panose="020B0503020204020204" charset="-122"/>
-              <a:ea typeface="微软雅黑" panose="020B0503020204020204" charset="-122"/>
-              <a:cs typeface="微软雅黑" panose="020B0503020204020204" charset="-122"/>
-            </a:endParaRPr>
-          </a:p>
-          <a:p>
-            <a:r>
-              <a:rPr lang="zh-CN" altLang="en-US">
-                <a:latin typeface="微软雅黑" panose="020B0503020204020204" charset="-122"/>
-                <a:ea typeface="微软雅黑" panose="020B0503020204020204" charset="-122"/>
-                <a:cs typeface="微软雅黑" panose="020B0503020204020204" charset="-122"/>
-              </a:rPr>
-              <a:t>        </a:t>
-            </a:r>
-            <a:r>
-              <a:rPr lang="en-US" altLang="zh-CN">
-                <a:latin typeface="微软雅黑" panose="020B0503020204020204" charset="-122"/>
-                <a:ea typeface="微软雅黑" panose="020B0503020204020204" charset="-122"/>
-                <a:cs typeface="微软雅黑" panose="020B0503020204020204" charset="-122"/>
-              </a:rPr>
-              <a:t>Windows</a:t>
-            </a:r>
-            <a:r>
-              <a:rPr lang="zh-CN" altLang="en-US">
-                <a:latin typeface="微软雅黑" panose="020B0503020204020204" charset="-122"/>
-                <a:ea typeface="微软雅黑" panose="020B0503020204020204" charset="-122"/>
-                <a:cs typeface="微软雅黑" panose="020B0503020204020204" charset="-122"/>
-              </a:rPr>
-              <a:t>原生开发</a:t>
-            </a:r>
-            <a:r>
-              <a:rPr lang="en-US" altLang="zh-CN">
-                <a:latin typeface="微软雅黑" panose="020B0503020204020204" charset="-122"/>
-                <a:ea typeface="微软雅黑" panose="020B0503020204020204" charset="-122"/>
-                <a:cs typeface="微软雅黑" panose="020B0503020204020204" charset="-122"/>
-              </a:rPr>
-              <a:t>-Visual Stdio</a:t>
-            </a:r>
-            <a:r>
-              <a:rPr lang="zh-CN" altLang="en-US">
-                <a:latin typeface="微软雅黑" panose="020B0503020204020204" charset="-122"/>
-                <a:ea typeface="微软雅黑" panose="020B0503020204020204" charset="-122"/>
-                <a:cs typeface="微软雅黑" panose="020B0503020204020204" charset="-122"/>
-              </a:rPr>
-              <a:t>。</a:t>
-            </a:r>
-            <a:endParaRPr lang="en-US" altLang="zh-CN">
-              <a:latin typeface="微软雅黑" panose="020B0503020204020204" charset="-122"/>
-              <a:ea typeface="微软雅黑" panose="020B0503020204020204" charset="-122"/>
-              <a:cs typeface="微软雅黑" panose="020B0503020204020204" charset="-122"/>
-            </a:endParaRPr>
-          </a:p>
-          <a:p>
-            <a:r>
-              <a:rPr lang="zh-CN" altLang="en-US">
-                <a:latin typeface="微软雅黑" panose="020B0503020204020204" charset="-122"/>
-                <a:ea typeface="微软雅黑" panose="020B0503020204020204" charset="-122"/>
-                <a:cs typeface="微软雅黑" panose="020B0503020204020204" charset="-122"/>
-              </a:rPr>
-              <a:t>        </a:t>
-            </a:r>
-            <a:r>
-              <a:rPr lang="en-US" altLang="zh-CN">
-                <a:latin typeface="微软雅黑" panose="020B0503020204020204" charset="-122"/>
-                <a:ea typeface="微软雅黑" panose="020B0503020204020204" charset="-122"/>
-                <a:cs typeface="微软雅黑" panose="020B0503020204020204" charset="-122"/>
-              </a:rPr>
-              <a:t>Linux</a:t>
-            </a:r>
-            <a:r>
-              <a:rPr lang="zh-CN" altLang="en-US">
-                <a:latin typeface="微软雅黑" panose="020B0503020204020204" charset="-122"/>
-                <a:ea typeface="微软雅黑" panose="020B0503020204020204" charset="-122"/>
-                <a:cs typeface="微软雅黑" panose="020B0503020204020204" charset="-122"/>
-              </a:rPr>
-              <a:t>原生开发</a:t>
-            </a:r>
-            <a:r>
-              <a:rPr lang="en-US" altLang="zh-CN">
-                <a:latin typeface="微软雅黑" panose="020B0503020204020204" charset="-122"/>
-                <a:ea typeface="微软雅黑" panose="020B0503020204020204" charset="-122"/>
-                <a:cs typeface="微软雅黑" panose="020B0503020204020204" charset="-122"/>
-              </a:rPr>
-              <a:t>-Eclipse</a:t>
-            </a:r>
-            <a:r>
-              <a:rPr lang="zh-CN" altLang="en-US">
-                <a:latin typeface="微软雅黑" panose="020B0503020204020204" charset="-122"/>
-                <a:ea typeface="微软雅黑" panose="020B0503020204020204" charset="-122"/>
-                <a:cs typeface="微软雅黑" panose="020B0503020204020204" charset="-122"/>
-              </a:rPr>
-              <a:t>（</a:t>
-            </a:r>
-            <a:r>
-              <a:rPr lang="en-US" altLang="zh-CN">
-                <a:latin typeface="微软雅黑" panose="020B0503020204020204" charset="-122"/>
-                <a:ea typeface="微软雅黑" panose="020B0503020204020204" charset="-122"/>
-                <a:cs typeface="微软雅黑" panose="020B0503020204020204" charset="-122"/>
-              </a:rPr>
-              <a:t>+</a:t>
-            </a:r>
-            <a:r>
-              <a:rPr lang="zh-CN" altLang="en-US">
-                <a:latin typeface="微软雅黑" panose="020B0503020204020204" charset="-122"/>
-                <a:ea typeface="微软雅黑" panose="020B0503020204020204" charset="-122"/>
-                <a:cs typeface="微软雅黑" panose="020B0503020204020204" charset="-122"/>
-              </a:rPr>
-              <a:t>必要的插件）。</a:t>
-            </a:r>
-            <a:endParaRPr lang="zh-CN" altLang="en-US">
+            <a:endParaRPr lang="zh-CN">
               <a:latin typeface="微软雅黑" panose="020B0503020204020204" charset="-122"/>
               <a:ea typeface="微软雅黑" panose="020B0503020204020204" charset="-122"/>
               <a:cs typeface="微软雅黑" panose="020B0503020204020204" charset="-122"/>
@@ -6270,156 +5989,7 @@
         </p:blipFill>
         <p:spPr>
           <a:xfrm>
-            <a:off x="1270" y="1905"/>
-            <a:ext cx="2000250" cy="666750"/>
-          </a:xfrm>
-          <a:prstGeom prst="rect">
-            <a:avLst/>
-          </a:prstGeom>
-        </p:spPr>
-      </p:pic>
-    </p:spTree>
-  </p:cSld>
-  <p:clrMapOvr>
-    <a:masterClrMapping/>
-  </p:clrMapOvr>
-</p:sld>
-</file>
-
-<file path=ppt/slides/slide11.xml><?xml version="1.0" encoding="utf-8"?>
-<p:sld xmlns:a="http://schemas.openxmlformats.org/drawingml/2006/main" xmlns:r="http://schemas.openxmlformats.org/officeDocument/2006/relationships" xmlns:p="http://schemas.openxmlformats.org/presentationml/2006/main">
-  <p:cSld>
-    <p:bg>
-      <p:bgPr>
-        <a:blipFill rotWithShape="1">
-          <a:blip r:embed="rId1">
-            <a:alphaModFix amt="10000"/>
-          </a:blip>
-          <a:stretch>
-            <a:fillRect r="-101000"/>
-          </a:stretch>
-        </a:blipFill>
-        <a:effectLst/>
-      </p:bgPr>
-    </p:bg>
-    <p:spTree>
-      <p:nvGrpSpPr>
-        <p:cNvPr id="1" name=""/>
-        <p:cNvGrpSpPr/>
-        <p:nvPr/>
-      </p:nvGrpSpPr>
-      <p:grpSpPr/>
-      <p:sp>
-        <p:nvSpPr>
-          <p:cNvPr id="2" name="标题 1"/>
-          <p:cNvSpPr>
-            <a:spLocks noGrp="1"/>
-          </p:cNvSpPr>
-          <p:nvPr>
-            <p:ph type="title"/>
-          </p:nvPr>
-        </p:nvSpPr>
-        <p:spPr/>
-        <p:txBody>
-          <a:bodyPr/>
-          <a:p>
-            <a:r>
-              <a:rPr lang="zh-CN" altLang="en-US">
-                <a:latin typeface="微软雅黑" panose="020B0503020204020204" charset="-122"/>
-                <a:ea typeface="微软雅黑" panose="020B0503020204020204" charset="-122"/>
-              </a:rPr>
-              <a:t>三、开发环境</a:t>
-            </a:r>
-            <a:endParaRPr lang="zh-CN" altLang="en-US">
-              <a:latin typeface="微软雅黑" panose="020B0503020204020204" charset="-122"/>
-              <a:ea typeface="微软雅黑" panose="020B0503020204020204" charset="-122"/>
-            </a:endParaRPr>
-          </a:p>
-        </p:txBody>
-      </p:sp>
-      <p:sp>
-        <p:nvSpPr>
-          <p:cNvPr id="3" name="内容占位符 2"/>
-          <p:cNvSpPr>
-            <a:spLocks noGrp="1"/>
-          </p:cNvSpPr>
-          <p:nvPr>
-            <p:ph idx="1"/>
-          </p:nvPr>
-        </p:nvSpPr>
-        <p:spPr>
-          <a:xfrm>
-            <a:off x="838200" y="1540510"/>
-            <a:ext cx="10515600" cy="4636770"/>
-          </a:xfrm>
-        </p:spPr>
-        <p:txBody>
-          <a:bodyPr/>
-          <a:p>
-            <a:r>
-              <a:rPr>
-                <a:latin typeface="微软雅黑" panose="020B0503020204020204" charset="-122"/>
-                <a:ea typeface="微软雅黑" panose="020B0503020204020204" charset="-122"/>
-                <a:cs typeface="微软雅黑" panose="020B0503020204020204" charset="-122"/>
-              </a:rPr>
-              <a:t>3.</a:t>
-            </a:r>
-            <a:r>
-              <a:rPr lang="en-US">
-                <a:latin typeface="微软雅黑" panose="020B0503020204020204" charset="-122"/>
-                <a:ea typeface="微软雅黑" panose="020B0503020204020204" charset="-122"/>
-                <a:cs typeface="微软雅黑" panose="020B0503020204020204" charset="-122"/>
-              </a:rPr>
-              <a:t>3</a:t>
-            </a:r>
-            <a:r>
-              <a:rPr>
-                <a:latin typeface="微软雅黑" panose="020B0503020204020204" charset="-122"/>
-                <a:ea typeface="微软雅黑" panose="020B0503020204020204" charset="-122"/>
-                <a:cs typeface="微软雅黑" panose="020B0503020204020204" charset="-122"/>
-              </a:rPr>
-              <a:t> </a:t>
-            </a:r>
-            <a:r>
-              <a:rPr lang="zh-CN">
-                <a:latin typeface="微软雅黑" panose="020B0503020204020204" charset="-122"/>
-                <a:ea typeface="微软雅黑" panose="020B0503020204020204" charset="-122"/>
-                <a:cs typeface="微软雅黑" panose="020B0503020204020204" charset="-122"/>
-              </a:rPr>
-              <a:t>工作环境</a:t>
-            </a:r>
-            <a:endParaRPr lang="zh-CN">
-              <a:latin typeface="微软雅黑" panose="020B0503020204020204" charset="-122"/>
-              <a:ea typeface="微软雅黑" panose="020B0503020204020204" charset="-122"/>
-              <a:cs typeface="微软雅黑" panose="020B0503020204020204" charset="-122"/>
-            </a:endParaRPr>
-          </a:p>
-          <a:p>
-            <a:endParaRPr lang="zh-CN">
-              <a:latin typeface="微软雅黑" panose="020B0503020204020204" charset="-122"/>
-              <a:ea typeface="微软雅黑" panose="020B0503020204020204" charset="-122"/>
-              <a:cs typeface="微软雅黑" panose="020B0503020204020204" charset="-122"/>
-            </a:endParaRPr>
-          </a:p>
-        </p:txBody>
-      </p:sp>
-      <p:pic>
-        <p:nvPicPr>
-          <p:cNvPr id="5" name="图片 4" descr="web_02"/>
-          <p:cNvPicPr>
-            <a:picLocks noChangeAspect="1"/>
-          </p:cNvPicPr>
-          <p:nvPr/>
-        </p:nvPicPr>
-        <p:blipFill>
-          <a:blip r:embed="rId2"/>
-          <a:stretch>
-            <a:fillRect/>
-          </a:stretch>
-        </p:blipFill>
-        <p:spPr>
-          <a:xfrm>
-            <a:off x="1270" y="1905"/>
+            <a:off x="1270" y="0"/>
             <a:ext cx="2000250" cy="666750"/>
           </a:xfrm>
           <a:prstGeom prst="rect">
@@ -6435,7 +6005,7 @@
         </p:nvGraphicFramePr>
         <p:xfrm>
           <a:off x="959485" y="2439035"/>
-          <a:ext cx="10351770" cy="3129280"/>
+          <a:ext cx="10351770" cy="3645535"/>
         </p:xfrm>
         <a:graphic>
           <a:graphicData uri="http://schemas.openxmlformats.org/drawingml/2006/table">
@@ -6446,8 +6016,8 @@
               <a:tblGrid>
                 <a:gridCol w="891540"/>
                 <a:gridCol w="3990340"/>
-                <a:gridCol w="974725"/>
-                <a:gridCol w="4495165"/>
+                <a:gridCol w="1148715"/>
+                <a:gridCol w="4321175"/>
               </a:tblGrid>
               <a:tr h="516255">
                 <a:tc gridSpan="4">
@@ -6466,7 +6036,7 @@
                           <a:ea typeface="微软雅黑" panose="020B0503020204020204" charset="-122"/>
                           <a:sym typeface="Arial" panose="020B0604020202020204" pitchFamily="34" charset="0"/>
                         </a:rPr>
-                        <a:t>计算机</a:t>
+                        <a:t>计算机用途和数量</a:t>
                       </a:r>
                       <a:endParaRPr lang="zh-CN" altLang="en-US" sz="2400">
                         <a:solidFill>
@@ -7033,6 +6603,106 @@
                   <a:tcPr/>
                 </a:tc>
               </a:tr>
+              <a:tr h="516255">
+                <a:tc>
+                  <a:txBody>
+                    <a:bodyPr/>
+                    <a:p>
+                      <a:pPr>
+                        <a:buNone/>
+                      </a:pPr>
+                      <a:r>
+                        <a:rPr lang="en-US" altLang="zh-CN" sz="2400">
+                          <a:latin typeface="微软雅黑" panose="020B0503020204020204" charset="-122"/>
+                          <a:ea typeface="微软雅黑" panose="020B0503020204020204" charset="-122"/>
+                        </a:rPr>
+                        <a:t>5</a:t>
+                      </a:r>
+                      <a:endParaRPr lang="en-US" altLang="zh-CN" sz="2400">
+                        <a:latin typeface="微软雅黑" panose="020B0503020204020204" charset="-122"/>
+                        <a:ea typeface="微软雅黑" panose="020B0503020204020204" charset="-122"/>
+                      </a:endParaRPr>
+                    </a:p>
+                  </a:txBody>
+                  <a:tcPr/>
+                </a:tc>
+                <a:tc>
+                  <a:txBody>
+                    <a:bodyPr/>
+                    <a:p>
+                      <a:pPr>
+                        <a:buNone/>
+                      </a:pPr>
+                      <a:r>
+                        <a:rPr lang="zh-CN" altLang="en-US" sz="2400">
+                          <a:latin typeface="微软雅黑" panose="020B0503020204020204" charset="-122"/>
+                          <a:ea typeface="微软雅黑" panose="020B0503020204020204" charset="-122"/>
+                        </a:rPr>
+                        <a:t>出差用计算机</a:t>
+                      </a:r>
+                      <a:endParaRPr lang="zh-CN" altLang="en-US" sz="2400">
+                        <a:latin typeface="微软雅黑" panose="020B0503020204020204" charset="-122"/>
+                        <a:ea typeface="微软雅黑" panose="020B0503020204020204" charset="-122"/>
+                      </a:endParaRPr>
+                    </a:p>
+                  </a:txBody>
+                  <a:tcPr/>
+                </a:tc>
+                <a:tc>
+                  <a:txBody>
+                    <a:bodyPr/>
+                    <a:p>
+                      <a:pPr>
+                        <a:buNone/>
+                      </a:pPr>
+                      <a:r>
+                        <a:rPr lang="en-US" altLang="zh-CN" sz="2400">
+                          <a:latin typeface="微软雅黑" panose="020B0503020204020204" charset="-122"/>
+                          <a:ea typeface="微软雅黑" panose="020B0503020204020204" charset="-122"/>
+                          <a:cs typeface="微软雅黑" panose="020B0503020204020204" charset="-122"/>
+                        </a:rPr>
+                        <a:t>1-2</a:t>
+                      </a:r>
+                      <a:r>
+                        <a:rPr lang="zh-CN" altLang="en-US" sz="2400">
+                          <a:latin typeface="微软雅黑" panose="020B0503020204020204" charset="-122"/>
+                          <a:ea typeface="微软雅黑" panose="020B0503020204020204" charset="-122"/>
+                          <a:cs typeface="微软雅黑" panose="020B0503020204020204" charset="-122"/>
+                        </a:rPr>
+                        <a:t>台</a:t>
+                      </a:r>
+                      <a:endParaRPr lang="zh-CN" altLang="en-US" sz="2400">
+                        <a:latin typeface="微软雅黑" panose="020B0503020204020204" charset="-122"/>
+                        <a:ea typeface="微软雅黑" panose="020B0503020204020204" charset="-122"/>
+                        <a:cs typeface="微软雅黑" panose="020B0503020204020204" charset="-122"/>
+                      </a:endParaRPr>
+                    </a:p>
+                  </a:txBody>
+                  <a:tcPr/>
+                </a:tc>
+                <a:tc>
+                  <a:txBody>
+                    <a:bodyPr/>
+                    <a:p>
+                      <a:pPr>
+                        <a:buNone/>
+                      </a:pPr>
+                      <a:r>
+                        <a:rPr lang="zh-CN" altLang="en-US" sz="2400">
+                          <a:latin typeface="微软雅黑" panose="020B0503020204020204" charset="-122"/>
+                          <a:ea typeface="微软雅黑" panose="020B0503020204020204" charset="-122"/>
+                        </a:rPr>
+                        <a:t>笔记本</a:t>
+                      </a:r>
+                      <a:endParaRPr lang="zh-CN" altLang="en-US" sz="2400">
+                        <a:latin typeface="微软雅黑" panose="020B0503020204020204" charset="-122"/>
+                        <a:ea typeface="微软雅黑" panose="020B0503020204020204" charset="-122"/>
+                      </a:endParaRPr>
+                    </a:p>
+                  </a:txBody>
+                  <a:tcPr/>
+                </a:tc>
+              </a:tr>
             </a:tbl>
           </a:graphicData>
         </a:graphic>
@@ -7042,10 +6712,13 @@
   <p:clrMapOvr>
     <a:masterClrMapping/>
   </p:clrMapOvr>
+  <p:transition>
+    <p:comb/>
+  </p:transition>
 </p:sld>
 </file>
 
-<file path=ppt/slides/slide12.xml><?xml version="1.0" encoding="utf-8"?>
+<file path=ppt/slides/slide11.xml><?xml version="1.0" encoding="utf-8"?>
 <p:sld xmlns:a="http://schemas.openxmlformats.org/drawingml/2006/main" xmlns:r="http://schemas.openxmlformats.org/officeDocument/2006/relationships" xmlns:p="http://schemas.openxmlformats.org/presentationml/2006/main">
   <p:cSld>
     <p:bg>
@@ -7145,7 +6818,7 @@
                 <a:ea typeface="微软雅黑" panose="020B0503020204020204" charset="-122"/>
                 <a:cs typeface="微软雅黑" panose="020B0503020204020204" charset="-122"/>
               </a:rPr>
-              <a:t>工作环境</a:t>
+              <a:t>工作环境布置</a:t>
             </a:r>
             <a:endParaRPr lang="zh-CN">
               <a:latin typeface="微软雅黑" panose="020B0503020204020204" charset="-122"/>
@@ -7178,7 +6851,7 @@
         </p:blipFill>
         <p:spPr>
           <a:xfrm>
-            <a:off x="1270" y="1905"/>
+            <a:off x="1270" y="0"/>
             <a:ext cx="2000250" cy="666750"/>
           </a:xfrm>
           <a:prstGeom prst="rect">
@@ -7194,7 +6867,7 @@
         </p:nvGraphicFramePr>
         <p:xfrm>
           <a:off x="959485" y="2439035"/>
-          <a:ext cx="10351770" cy="3684905"/>
+          <a:ext cx="10351770" cy="3645535"/>
         </p:xfrm>
         <a:graphic>
           <a:graphicData uri="http://schemas.openxmlformats.org/drawingml/2006/table">
@@ -7205,8 +6878,8 @@
               <a:tblGrid>
                 <a:gridCol w="891540"/>
                 <a:gridCol w="1696085"/>
-                <a:gridCol w="4899660"/>
-                <a:gridCol w="2864485"/>
+                <a:gridCol w="2710180"/>
+                <a:gridCol w="5053965"/>
               </a:tblGrid>
               <a:tr h="516255">
                 <a:tc gridSpan="4">
@@ -7414,7 +7087,7 @@
                           <a:ea typeface="微软雅黑" panose="020B0503020204020204" charset="-122"/>
                           <a:cs typeface="微软雅黑" panose="020B0503020204020204" charset="-122"/>
                         </a:rPr>
-                        <a:t>1</a:t>
+                        <a:t>i5</a:t>
                       </a:r>
                       <a:r>
                         <a:rPr lang="zh-CN" altLang="en-US" sz="2400">
@@ -7422,7 +7095,7 @@
                           <a:ea typeface="微软雅黑" panose="020B0503020204020204" charset="-122"/>
                           <a:cs typeface="微软雅黑" panose="020B0503020204020204" charset="-122"/>
                         </a:rPr>
-                        <a:t>台</a:t>
+                        <a:t>及以上</a:t>
                       </a:r>
                       <a:endParaRPr lang="zh-CN" altLang="en-US" sz="2400">
                         <a:latin typeface="微软雅黑" panose="020B0503020204020204" charset="-122"/>
@@ -7440,6 +7113,15 @@
                       <a:pPr>
                         <a:buNone/>
                       </a:pPr>
+                      <a:r>
+                        <a:rPr lang="zh-CN" altLang="en-US" sz="2400">
+                          <a:latin typeface="微软雅黑" panose="020B0503020204020204" charset="-122"/>
+                          <a:ea typeface="微软雅黑" panose="020B0503020204020204" charset="-122"/>
+                          <a:cs typeface="微软雅黑" panose="020B0503020204020204" charset="-122"/>
+                          <a:sym typeface="+mn-ea"/>
+                        </a:rPr>
+                        <a:t>或同等规格</a:t>
+                      </a:r>
                       <a:endParaRPr lang="zh-CN" altLang="en-US" sz="2400">
                         <a:latin typeface="微软雅黑" panose="020B0503020204020204" charset="-122"/>
                         <a:ea typeface="微软雅黑" panose="020B0503020204020204" charset="-122"/>
@@ -7505,22 +7187,22 @@
                         <a:buNone/>
                       </a:pPr>
                       <a:r>
-                        <a:rPr lang="en-US" altLang="zh-CN" sz="2400">
+                        <a:rPr lang="en-US" sz="2400">
                           <a:latin typeface="微软雅黑" panose="020B0503020204020204" charset="-122"/>
                           <a:ea typeface="微软雅黑" panose="020B0503020204020204" charset="-122"/>
                           <a:cs typeface="微软雅黑" panose="020B0503020204020204" charset="-122"/>
                         </a:rPr>
-                        <a:t>1</a:t>
+                        <a:t>8GB</a:t>
                       </a:r>
                       <a:r>
-                        <a:rPr lang="zh-CN" altLang="en-US" sz="2400">
+                        <a:rPr lang="zh-CN" sz="2400">
                           <a:latin typeface="微软雅黑" panose="020B0503020204020204" charset="-122"/>
                           <a:ea typeface="微软雅黑" panose="020B0503020204020204" charset="-122"/>
                           <a:cs typeface="微软雅黑" panose="020B0503020204020204" charset="-122"/>
                         </a:rPr>
-                        <a:t>台</a:t>
+                        <a:t>及以上</a:t>
                       </a:r>
-                      <a:endParaRPr lang="zh-CN" altLang="en-US" sz="2400">
+                      <a:endParaRPr lang="zh-CN" sz="2400">
                         <a:latin typeface="微软雅黑" panose="020B0503020204020204" charset="-122"/>
                         <a:ea typeface="微软雅黑" panose="020B0503020204020204" charset="-122"/>
                         <a:cs typeface="微软雅黑" panose="020B0503020204020204" charset="-122"/>
@@ -7536,6 +7218,27 @@
                       <a:pPr>
                         <a:buNone/>
                       </a:pPr>
+                      <a:r>
+                        <a:rPr lang="zh-CN" altLang="en-US" sz="2400">
+                          <a:latin typeface="微软雅黑" panose="020B0503020204020204" charset="-122"/>
+                          <a:ea typeface="微软雅黑" panose="020B0503020204020204" charset="-122"/>
+                        </a:rPr>
+                        <a:t>满足</a:t>
+                      </a:r>
+                      <a:r>
+                        <a:rPr lang="en-US" altLang="zh-CN" sz="2400">
+                          <a:latin typeface="微软雅黑" panose="020B0503020204020204" charset="-122"/>
+                          <a:ea typeface="微软雅黑" panose="020B0503020204020204" charset="-122"/>
+                        </a:rPr>
+                        <a:t>java</a:t>
+                      </a:r>
+                      <a:r>
+                        <a:rPr lang="zh-CN" altLang="en-US" sz="2400">
+                          <a:latin typeface="微软雅黑" panose="020B0503020204020204" charset="-122"/>
+                          <a:ea typeface="微软雅黑" panose="020B0503020204020204" charset="-122"/>
+                        </a:rPr>
+                        <a:t>开发的内存需求，提高效率</a:t>
+                      </a:r>
                       <a:endParaRPr lang="zh-CN" altLang="en-US" sz="2400">
                         <a:latin typeface="微软雅黑" panose="020B0503020204020204" charset="-122"/>
                         <a:ea typeface="微软雅黑" panose="020B0503020204020204" charset="-122"/>
@@ -7603,7 +7306,7 @@
                           <a:ea typeface="微软雅黑" panose="020B0503020204020204" charset="-122"/>
                           <a:cs typeface="微软雅黑" panose="020B0503020204020204" charset="-122"/>
                         </a:rPr>
-                        <a:t>3</a:t>
+                        <a:t>500G</a:t>
                       </a:r>
                       <a:r>
                         <a:rPr lang="zh-CN" altLang="en-US" sz="2400">
@@ -7611,7 +7314,7 @@
                           <a:ea typeface="微软雅黑" panose="020B0503020204020204" charset="-122"/>
                           <a:cs typeface="微软雅黑" panose="020B0503020204020204" charset="-122"/>
                         </a:rPr>
-                        <a:t>台</a:t>
+                        <a:t>及以上</a:t>
                       </a:r>
                       <a:endParaRPr lang="zh-CN" altLang="en-US" sz="2400">
                         <a:latin typeface="微软雅黑" panose="020B0503020204020204" charset="-122"/>
@@ -7696,7 +7399,7 @@
                           <a:ea typeface="微软雅黑" panose="020B0503020204020204" charset="-122"/>
                           <a:cs typeface="微软雅黑" panose="020B0503020204020204" charset="-122"/>
                         </a:rPr>
-                        <a:t>N</a:t>
+                        <a:t>21</a:t>
                       </a:r>
                       <a:r>
                         <a:rPr lang="zh-CN" altLang="en-US" sz="2400">
@@ -7704,7 +7407,7 @@
                           <a:ea typeface="微软雅黑" panose="020B0503020204020204" charset="-122"/>
                           <a:cs typeface="微软雅黑" panose="020B0503020204020204" charset="-122"/>
                         </a:rPr>
-                        <a:t>台</a:t>
+                        <a:t>寸及以上</a:t>
                       </a:r>
                       <a:endParaRPr lang="zh-CN" altLang="en-US" sz="2400">
                         <a:latin typeface="微软雅黑" panose="020B0503020204020204" charset="-122"/>
@@ -7731,6 +7434,81 @@
                   <a:tcPr/>
                 </a:tc>
               </a:tr>
+              <a:tr h="516255">
+                <a:tc gridSpan="4">
+                  <a:txBody>
+                    <a:bodyPr/>
+                    <a:p>
+                      <a:pPr>
+                        <a:buNone/>
+                      </a:pPr>
+                      <a:r>
+                        <a:rPr lang="zh-CN" altLang="en-US" sz="2400">
+                          <a:latin typeface="微软雅黑" panose="020B0503020204020204" charset="-122"/>
+                          <a:ea typeface="微软雅黑" panose="020B0503020204020204" charset="-122"/>
+                        </a:rPr>
+                        <a:t>推荐整机： </a:t>
+                      </a:r>
+                      <a:r>
+                        <a:rPr lang="en-US" altLang="zh-CN" sz="2400">
+                          <a:latin typeface="微软雅黑" panose="020B0503020204020204" charset="-122"/>
+                          <a:ea typeface="微软雅黑" panose="020B0503020204020204" charset="-122"/>
+                        </a:rPr>
+                        <a:t>Dell</a:t>
+                      </a:r>
+                      <a:r>
+                        <a:rPr lang="zh-CN" altLang="en-US" sz="2400">
+                          <a:latin typeface="微软雅黑" panose="020B0503020204020204" charset="-122"/>
+                          <a:ea typeface="微软雅黑" panose="020B0503020204020204" charset="-122"/>
+                        </a:rPr>
+                        <a:t>成就</a:t>
+                      </a:r>
+                      <a:r>
+                        <a:rPr lang="en-US" altLang="zh-CN" sz="2400">
+                          <a:latin typeface="微软雅黑" panose="020B0503020204020204" charset="-122"/>
+                          <a:ea typeface="微软雅黑" panose="020B0503020204020204" charset="-122"/>
+                        </a:rPr>
+                        <a:t>3470</a:t>
+                      </a:r>
+                      <a:r>
+                        <a:rPr lang="zh-CN" altLang="en-US" sz="2400">
+                          <a:latin typeface="微软雅黑" panose="020B0503020204020204" charset="-122"/>
+                          <a:ea typeface="微软雅黑" panose="020B0503020204020204" charset="-122"/>
+                        </a:rPr>
+                        <a:t>高性能办公电脑整机（</a:t>
+                      </a:r>
+                      <a:r>
+                        <a:rPr lang="en-US" altLang="zh-CN" sz="2400">
+                          <a:latin typeface="微软雅黑" panose="020B0503020204020204" charset="-122"/>
+                          <a:ea typeface="微软雅黑" panose="020B0503020204020204" charset="-122"/>
+                        </a:rPr>
+                        <a:t>I5</a:t>
+                      </a:r>
+                      <a:r>
+                        <a:rPr lang="zh-CN" altLang="en-US" sz="2400">
+                          <a:latin typeface="微软雅黑" panose="020B0503020204020204" charset="-122"/>
+                          <a:ea typeface="微软雅黑" panose="020B0503020204020204" charset="-122"/>
+                        </a:rPr>
+                        <a:t>版）</a:t>
+                      </a:r>
+                      <a:endParaRPr lang="zh-CN" altLang="en-US" sz="2400">
+                        <a:latin typeface="微软雅黑" panose="020B0503020204020204" charset="-122"/>
+                        <a:ea typeface="微软雅黑" panose="020B0503020204020204" charset="-122"/>
+                      </a:endParaRPr>
+                    </a:p>
+                  </a:txBody>
+                  <a:tcPr/>
+                </a:tc>
+                <a:tc hMerge="1">
+                  <a:tcPr/>
+                </a:tc>
+                <a:tc hMerge="1">
+                  <a:tcPr/>
+                </a:tc>
+                <a:tc hMerge="1">
+                  <a:tcPr/>
+                </a:tc>
+              </a:tr>
             </a:tbl>
           </a:graphicData>
         </a:graphic>
@@ -7740,148 +7518,9 @@
   <p:clrMapOvr>
     <a:masterClrMapping/>
   </p:clrMapOvr>
-</p:sld>
-</file>
-
-<file path=ppt/slides/slide13.xml><?xml version="1.0" encoding="utf-8"?>
-<p:sld xmlns:a="http://schemas.openxmlformats.org/drawingml/2006/main" xmlns:r="http://schemas.openxmlformats.org/officeDocument/2006/relationships" xmlns:p="http://schemas.openxmlformats.org/presentationml/2006/main">
-  <p:cSld>
-    <p:bg>
-      <p:bgPr>
-        <a:blipFill rotWithShape="1">
-          <a:blip r:embed="rId1">
-            <a:alphaModFix amt="10000"/>
-          </a:blip>
-          <a:stretch>
-            <a:fillRect r="-101000"/>
-          </a:stretch>
-        </a:blipFill>
-        <a:effectLst/>
-      </p:bgPr>
-    </p:bg>
-    <p:spTree>
-      <p:nvGrpSpPr>
-        <p:cNvPr id="1" name=""/>
-        <p:cNvGrpSpPr/>
-        <p:nvPr/>
-      </p:nvGrpSpPr>
-      <p:grpSpPr/>
-      <p:sp>
-        <p:nvSpPr>
-          <p:cNvPr id="2" name="标题 1"/>
-          <p:cNvSpPr>
-            <a:spLocks noGrp="1"/>
-          </p:cNvSpPr>
-          <p:nvPr>
-            <p:ph type="title"/>
-          </p:nvPr>
-        </p:nvSpPr>
-        <p:spPr/>
-        <p:txBody>
-          <a:bodyPr/>
-          <a:p>
-            <a:r>
-              <a:rPr lang="zh-CN" altLang="en-US">
-                <a:latin typeface="微软雅黑" panose="020B0503020204020204" charset="-122"/>
-                <a:ea typeface="微软雅黑" panose="020B0503020204020204" charset="-122"/>
-              </a:rPr>
-              <a:t>三、开发环境</a:t>
-            </a:r>
-            <a:endParaRPr lang="zh-CN" altLang="en-US">
-              <a:latin typeface="微软雅黑" panose="020B0503020204020204" charset="-122"/>
-              <a:ea typeface="微软雅黑" panose="020B0503020204020204" charset="-122"/>
-            </a:endParaRPr>
-          </a:p>
-        </p:txBody>
-      </p:sp>
-      <p:sp>
-        <p:nvSpPr>
-          <p:cNvPr id="3" name="内容占位符 2"/>
-          <p:cNvSpPr>
-            <a:spLocks noGrp="1"/>
-          </p:cNvSpPr>
-          <p:nvPr>
-            <p:ph idx="1"/>
-          </p:nvPr>
-        </p:nvSpPr>
-        <p:spPr>
-          <a:xfrm>
-            <a:off x="838200" y="1540510"/>
-            <a:ext cx="10515600" cy="4636770"/>
-          </a:xfrm>
-        </p:spPr>
-        <p:txBody>
-          <a:bodyPr/>
-          <a:p>
-            <a:r>
-              <a:rPr>
-                <a:latin typeface="微软雅黑" panose="020B0503020204020204" charset="-122"/>
-                <a:ea typeface="微软雅黑" panose="020B0503020204020204" charset="-122"/>
-                <a:cs typeface="微软雅黑" panose="020B0503020204020204" charset="-122"/>
-              </a:rPr>
-              <a:t>3.</a:t>
-            </a:r>
-            <a:r>
-              <a:rPr lang="en-US">
-                <a:latin typeface="微软雅黑" panose="020B0503020204020204" charset="-122"/>
-                <a:ea typeface="微软雅黑" panose="020B0503020204020204" charset="-122"/>
-                <a:cs typeface="微软雅黑" panose="020B0503020204020204" charset="-122"/>
-              </a:rPr>
-              <a:t>4</a:t>
-            </a:r>
-            <a:r>
-              <a:rPr>
-                <a:latin typeface="微软雅黑" panose="020B0503020204020204" charset="-122"/>
-                <a:ea typeface="微软雅黑" panose="020B0503020204020204" charset="-122"/>
-                <a:cs typeface="微软雅黑" panose="020B0503020204020204" charset="-122"/>
-              </a:rPr>
-              <a:t> </a:t>
-            </a:r>
-            <a:r>
-              <a:rPr lang="zh-CN">
-                <a:latin typeface="微软雅黑" panose="020B0503020204020204" charset="-122"/>
-                <a:ea typeface="微软雅黑" panose="020B0503020204020204" charset="-122"/>
-                <a:cs typeface="微软雅黑" panose="020B0503020204020204" charset="-122"/>
-              </a:rPr>
-              <a:t>技术堆栈积累</a:t>
-            </a:r>
-            <a:endParaRPr lang="zh-CN">
-              <a:latin typeface="微软雅黑" panose="020B0503020204020204" charset="-122"/>
-              <a:ea typeface="微软雅黑" panose="020B0503020204020204" charset="-122"/>
-              <a:cs typeface="微软雅黑" panose="020B0503020204020204" charset="-122"/>
-            </a:endParaRPr>
-          </a:p>
-        </p:txBody>
-      </p:sp>
-      <p:pic>
-        <p:nvPicPr>
-          <p:cNvPr id="5" name="图片 4" descr="web_02"/>
-          <p:cNvPicPr>
-            <a:picLocks noChangeAspect="1"/>
-          </p:cNvPicPr>
-          <p:nvPr/>
-        </p:nvPicPr>
-        <p:blipFill>
-          <a:blip r:embed="rId2"/>
-          <a:stretch>
-            <a:fillRect/>
-          </a:stretch>
-        </p:blipFill>
-        <p:spPr>
-          <a:xfrm>
-            <a:off x="1270" y="1905"/>
-            <a:ext cx="2000250" cy="666750"/>
-          </a:xfrm>
-          <a:prstGeom prst="rect">
-            <a:avLst/>
-          </a:prstGeom>
-        </p:spPr>
-      </p:pic>
-    </p:spTree>
-  </p:cSld>
-  <p:clrMapOvr>
-    <a:masterClrMapping/>
-  </p:clrMapOvr>
+  <p:transition>
+    <p:comb dir="vert"/>
+  </p:transition>
 </p:sld>
 </file>
 
@@ -8080,6 +7719,9 @@
   <p:clrMapOvr>
     <a:masterClrMapping/>
   </p:clrMapOvr>
+  <p:transition>
+    <p:comb/>
+  </p:transition>
 </p:sld>
 </file>
 
@@ -8352,6 +7994,9 @@
   <p:clrMapOvr>
     <a:masterClrMapping/>
   </p:clrMapOvr>
+  <p:transition>
+    <p:blinds/>
+  </p:transition>
 </p:sld>
 </file>
 
@@ -9045,7 +8690,7 @@
         </p:blipFill>
         <p:spPr>
           <a:xfrm>
-            <a:off x="1270" y="1905"/>
+            <a:off x="1270" y="0"/>
             <a:ext cx="2000250" cy="666750"/>
           </a:xfrm>
           <a:prstGeom prst="rect">
@@ -9058,6 +8703,9 @@
   <p:clrMapOvr>
     <a:masterClrMapping/>
   </p:clrMapOvr>
+  <p:transition>
+    <p:blinds dir="vert"/>
+  </p:transition>
 </p:sld>
 </file>
 
@@ -9163,7 +8811,7 @@
         </p:blipFill>
         <p:spPr>
           <a:xfrm>
-            <a:off x="1270" y="1905"/>
+            <a:off x="1270" y="0"/>
             <a:ext cx="2000250" cy="666750"/>
           </a:xfrm>
           <a:prstGeom prst="rect">
@@ -9703,6 +9351,9 @@
   <p:clrMapOvr>
     <a:masterClrMapping/>
   </p:clrMapOvr>
+  <p:transition>
+    <p:checker dir="vert"/>
+  </p:transition>
 </p:sld>
 </file>
 
@@ -9814,6 +9465,153 @@
               <a:cs typeface="微软雅黑" panose="020B0503020204020204" charset="-122"/>
             </a:endParaRPr>
           </a:p>
+          <a:p>
+            <a:endParaRPr lang="zh-CN" altLang="en-US">
+              <a:latin typeface="微软雅黑" panose="020B0503020204020204" charset="-122"/>
+              <a:ea typeface="微软雅黑" panose="020B0503020204020204" charset="-122"/>
+              <a:cs typeface="微软雅黑" panose="020B0503020204020204" charset="-122"/>
+            </a:endParaRPr>
+          </a:p>
+          <a:p>
+            <a:pPr lvl="1" fontAlgn="auto">
+              <a:lnSpc>
+                <a:spcPct val="150000"/>
+              </a:lnSpc>
+            </a:pPr>
+            <a:r>
+              <a:rPr lang="zh-CN" altLang="en-US">
+                <a:latin typeface="微软雅黑" panose="020B0503020204020204" charset="-122"/>
+                <a:ea typeface="微软雅黑" panose="020B0503020204020204" charset="-122"/>
+                <a:cs typeface="微软雅黑" panose="020B0503020204020204" charset="-122"/>
+              </a:rPr>
+              <a:t>Java编码规范</a:t>
+            </a:r>
+            <a:endParaRPr lang="zh-CN" altLang="en-US">
+              <a:latin typeface="微软雅黑" panose="020B0503020204020204" charset="-122"/>
+              <a:ea typeface="微软雅黑" panose="020B0503020204020204" charset="-122"/>
+              <a:cs typeface="微软雅黑" panose="020B0503020204020204" charset="-122"/>
+            </a:endParaRPr>
+          </a:p>
+          <a:p>
+            <a:pPr lvl="1" fontAlgn="auto">
+              <a:lnSpc>
+                <a:spcPct val="150000"/>
+              </a:lnSpc>
+            </a:pPr>
+            <a:r>
+              <a:rPr lang="zh-CN" altLang="en-US">
+                <a:latin typeface="微软雅黑" panose="020B0503020204020204" charset="-122"/>
+                <a:ea typeface="微软雅黑" panose="020B0503020204020204" charset="-122"/>
+                <a:cs typeface="微软雅黑" panose="020B0503020204020204" charset="-122"/>
+              </a:rPr>
+              <a:t>前端编码规范（</a:t>
+            </a:r>
+            <a:r>
+              <a:rPr lang="en-US" altLang="zh-CN">
+                <a:latin typeface="微软雅黑" panose="020B0503020204020204" charset="-122"/>
+                <a:ea typeface="微软雅黑" panose="020B0503020204020204" charset="-122"/>
+                <a:cs typeface="微软雅黑" panose="020B0503020204020204" charset="-122"/>
+              </a:rPr>
+              <a:t>Html</a:t>
+            </a:r>
+            <a:r>
+              <a:rPr lang="zh-CN" altLang="en-US">
+                <a:latin typeface="微软雅黑" panose="020B0503020204020204" charset="-122"/>
+                <a:ea typeface="微软雅黑" panose="020B0503020204020204" charset="-122"/>
+                <a:cs typeface="微软雅黑" panose="020B0503020204020204" charset="-122"/>
+              </a:rPr>
+              <a:t>、</a:t>
+            </a:r>
+            <a:r>
+              <a:rPr lang="en-US" altLang="zh-CN">
+                <a:latin typeface="微软雅黑" panose="020B0503020204020204" charset="-122"/>
+                <a:ea typeface="微软雅黑" panose="020B0503020204020204" charset="-122"/>
+                <a:cs typeface="微软雅黑" panose="020B0503020204020204" charset="-122"/>
+              </a:rPr>
+              <a:t>Css</a:t>
+            </a:r>
+            <a:r>
+              <a:rPr lang="zh-CN" altLang="en-US">
+                <a:latin typeface="微软雅黑" panose="020B0503020204020204" charset="-122"/>
+                <a:ea typeface="微软雅黑" panose="020B0503020204020204" charset="-122"/>
+                <a:cs typeface="微软雅黑" panose="020B0503020204020204" charset="-122"/>
+              </a:rPr>
+              <a:t>、</a:t>
+            </a:r>
+            <a:r>
+              <a:rPr lang="en-US" altLang="zh-CN">
+                <a:latin typeface="微软雅黑" panose="020B0503020204020204" charset="-122"/>
+                <a:ea typeface="微软雅黑" panose="020B0503020204020204" charset="-122"/>
+                <a:cs typeface="微软雅黑" panose="020B0503020204020204" charset="-122"/>
+              </a:rPr>
+              <a:t>JavaScript</a:t>
+            </a:r>
+            <a:r>
+              <a:rPr lang="zh-CN" altLang="en-US">
+                <a:latin typeface="微软雅黑" panose="020B0503020204020204" charset="-122"/>
+                <a:ea typeface="微软雅黑" panose="020B0503020204020204" charset="-122"/>
+                <a:cs typeface="微软雅黑" panose="020B0503020204020204" charset="-122"/>
+              </a:rPr>
+              <a:t>、</a:t>
+            </a:r>
+            <a:r>
+              <a:rPr lang="en-US" altLang="zh-CN">
+                <a:latin typeface="微软雅黑" panose="020B0503020204020204" charset="-122"/>
+                <a:ea typeface="微软雅黑" panose="020B0503020204020204" charset="-122"/>
+                <a:cs typeface="微软雅黑" panose="020B0503020204020204" charset="-122"/>
+              </a:rPr>
+              <a:t>Vue</a:t>
+            </a:r>
+            <a:r>
+              <a:rPr lang="zh-CN" altLang="en-US">
+                <a:latin typeface="微软雅黑" panose="020B0503020204020204" charset="-122"/>
+                <a:ea typeface="微软雅黑" panose="020B0503020204020204" charset="-122"/>
+                <a:cs typeface="微软雅黑" panose="020B0503020204020204" charset="-122"/>
+              </a:rPr>
+              <a:t>、</a:t>
+            </a:r>
+            <a:r>
+              <a:rPr lang="en-US" altLang="zh-CN">
+                <a:latin typeface="微软雅黑" panose="020B0503020204020204" charset="-122"/>
+                <a:ea typeface="微软雅黑" panose="020B0503020204020204" charset="-122"/>
+                <a:cs typeface="微软雅黑" panose="020B0503020204020204" charset="-122"/>
+              </a:rPr>
+              <a:t>Angular</a:t>
+            </a:r>
+            <a:r>
+              <a:rPr lang="zh-CN" altLang="en-US">
+                <a:latin typeface="微软雅黑" panose="020B0503020204020204" charset="-122"/>
+                <a:ea typeface="微软雅黑" panose="020B0503020204020204" charset="-122"/>
+                <a:cs typeface="微软雅黑" panose="020B0503020204020204" charset="-122"/>
+              </a:rPr>
+              <a:t>）</a:t>
+            </a:r>
+            <a:endParaRPr lang="zh-CN" altLang="en-US">
+              <a:latin typeface="微软雅黑" panose="020B0503020204020204" charset="-122"/>
+              <a:ea typeface="微软雅黑" panose="020B0503020204020204" charset="-122"/>
+              <a:cs typeface="微软雅黑" panose="020B0503020204020204" charset="-122"/>
+            </a:endParaRPr>
+          </a:p>
+          <a:p>
+            <a:pPr lvl="1" fontAlgn="auto">
+              <a:lnSpc>
+                <a:spcPct val="150000"/>
+              </a:lnSpc>
+            </a:pPr>
+            <a:r>
+              <a:rPr lang="zh-CN" altLang="en-US">
+                <a:latin typeface="微软雅黑" panose="020B0503020204020204" charset="-122"/>
+                <a:ea typeface="微软雅黑" panose="020B0503020204020204" charset="-122"/>
+                <a:cs typeface="微软雅黑" panose="020B0503020204020204" charset="-122"/>
+              </a:rPr>
+              <a:t>数据库编码规范</a:t>
+            </a:r>
+            <a:endParaRPr lang="zh-CN" altLang="en-US">
+              <a:latin typeface="微软雅黑" panose="020B0503020204020204" charset="-122"/>
+              <a:ea typeface="微软雅黑" panose="020B0503020204020204" charset="-122"/>
+              <a:cs typeface="微软雅黑" panose="020B0503020204020204" charset="-122"/>
+            </a:endParaRPr>
+          </a:p>
         </p:txBody>
       </p:sp>
       <p:pic>
@@ -9832,7 +9630,7 @@
         </p:blipFill>
         <p:spPr>
           <a:xfrm>
-            <a:off x="1270" y="1905"/>
+            <a:off x="1270" y="0"/>
             <a:ext cx="2000250" cy="666750"/>
           </a:xfrm>
           <a:prstGeom prst="rect">
@@ -9845,6 +9643,9 @@
   <p:clrMapOvr>
     <a:masterClrMapping/>
   </p:clrMapOvr>
+  <p:transition>
+    <p:comb/>
+  </p:transition>
 </p:sld>
 </file>
 
@@ -9912,7 +9713,7 @@
         <p:spPr>
           <a:xfrm>
             <a:off x="838200" y="1540510"/>
-            <a:ext cx="10515600" cy="4636770"/>
+            <a:ext cx="10515600" cy="1910715"/>
           </a:xfrm>
         </p:spPr>
         <p:txBody>
@@ -9949,6 +9750,29 @@
                 <a:cs typeface="微软雅黑" panose="020B0503020204020204" charset="-122"/>
               </a:rPr>
               <a:t> 归档和领用规范</a:t>
+            </a:r>
+            <a:endParaRPr lang="zh-CN" altLang="en-US">
+              <a:latin typeface="微软雅黑" panose="020B0503020204020204" charset="-122"/>
+              <a:ea typeface="微软雅黑" panose="020B0503020204020204" charset="-122"/>
+              <a:cs typeface="微软雅黑" panose="020B0503020204020204" charset="-122"/>
+            </a:endParaRPr>
+          </a:p>
+          <a:p>
+            <a:endParaRPr lang="zh-CN" altLang="en-US">
+              <a:latin typeface="微软雅黑" panose="020B0503020204020204" charset="-122"/>
+              <a:ea typeface="微软雅黑" panose="020B0503020204020204" charset="-122"/>
+              <a:cs typeface="微软雅黑" panose="020B0503020204020204" charset="-122"/>
+            </a:endParaRPr>
+          </a:p>
+          <a:p>
+            <a:pPr lvl="1"/>
+            <a:r>
+              <a:rPr lang="zh-CN" altLang="en-US">
+                <a:latin typeface="微软雅黑" panose="020B0503020204020204" charset="-122"/>
+                <a:ea typeface="微软雅黑" panose="020B0503020204020204" charset="-122"/>
+                <a:cs typeface="微软雅黑" panose="020B0503020204020204" charset="-122"/>
+              </a:rPr>
+              <a:t>统一遵循公司的归档和领用流程。</a:t>
             </a:r>
             <a:endParaRPr lang="zh-CN" altLang="en-US">
               <a:latin typeface="微软雅黑" panose="020B0503020204020204" charset="-122"/>
@@ -9974,7 +9798,7 @@
         </p:blipFill>
         <p:spPr>
           <a:xfrm>
-            <a:off x="1270" y="1905"/>
+            <a:off x="1270" y="0"/>
             <a:ext cx="2000250" cy="666750"/>
           </a:xfrm>
           <a:prstGeom prst="rect">
@@ -9982,11 +9806,285 @@
           </a:prstGeom>
         </p:spPr>
       </p:pic>
+      <p:sp>
+        <p:nvSpPr>
+          <p:cNvPr id="4" name="内容占位符 2"/>
+          <p:cNvSpPr>
+            <a:spLocks noGrp="1"/>
+          </p:cNvSpPr>
+          <p:nvPr/>
+        </p:nvSpPr>
+        <p:spPr>
+          <a:xfrm>
+            <a:off x="838200" y="3609975"/>
+            <a:ext cx="10515600" cy="2289175"/>
+          </a:xfrm>
+          <a:prstGeom prst="rect">
+            <a:avLst/>
+          </a:prstGeom>
+        </p:spPr>
+        <p:txBody>
+          <a:bodyPr vert="horz" lIns="91440" tIns="45720" rIns="91440" bIns="45720" rtlCol="0">
+            <a:normAutofit/>
+          </a:bodyPr>
+          <a:lstStyle>
+            <a:lvl1pPr marL="228600" indent="-228600" algn="l" defTabSz="914400" rtl="0" eaLnBrk="1" latinLnBrk="0" hangingPunct="1">
+              <a:lnSpc>
+                <a:spcPct val="90000"/>
+              </a:lnSpc>
+              <a:spcBef>
+                <a:spcPts val="1000"/>
+              </a:spcBef>
+              <a:buFont typeface="Arial" panose="020B0604020202020204" pitchFamily="34" charset="0"/>
+              <a:buChar char="•"/>
+              <a:defRPr sz="2800" kern="1200">
+                <a:solidFill>
+                  <a:schemeClr val="tx1"/>
+                </a:solidFill>
+                <a:latin typeface="+mn-lt"/>
+                <a:ea typeface="+mn-ea"/>
+                <a:cs typeface="+mn-cs"/>
+              </a:defRPr>
+            </a:lvl1pPr>
+            <a:lvl2pPr marL="685800" indent="-228600" algn="l" defTabSz="914400" rtl="0" eaLnBrk="1" latinLnBrk="0" hangingPunct="1">
+              <a:lnSpc>
+                <a:spcPct val="90000"/>
+              </a:lnSpc>
+              <a:spcBef>
+                <a:spcPts val="500"/>
+              </a:spcBef>
+              <a:buFont typeface="Arial" panose="020B0604020202020204" pitchFamily="34" charset="0"/>
+              <a:buChar char="•"/>
+              <a:defRPr sz="2400" kern="1200">
+                <a:solidFill>
+                  <a:schemeClr val="tx1"/>
+                </a:solidFill>
+                <a:latin typeface="+mn-lt"/>
+                <a:ea typeface="+mn-ea"/>
+                <a:cs typeface="+mn-cs"/>
+              </a:defRPr>
+            </a:lvl2pPr>
+            <a:lvl3pPr marL="1143000" indent="-228600" algn="l" defTabSz="914400" rtl="0" eaLnBrk="1" latinLnBrk="0" hangingPunct="1">
+              <a:lnSpc>
+                <a:spcPct val="90000"/>
+              </a:lnSpc>
+              <a:spcBef>
+                <a:spcPts val="500"/>
+              </a:spcBef>
+              <a:buFont typeface="Arial" panose="020B0604020202020204" pitchFamily="34" charset="0"/>
+              <a:buChar char="•"/>
+              <a:defRPr sz="2000" kern="1200">
+                <a:solidFill>
+                  <a:schemeClr val="tx1"/>
+                </a:solidFill>
+                <a:latin typeface="+mn-lt"/>
+                <a:ea typeface="+mn-ea"/>
+                <a:cs typeface="+mn-cs"/>
+              </a:defRPr>
+            </a:lvl3pPr>
+            <a:lvl4pPr marL="1600200" indent="-228600" algn="l" defTabSz="914400" rtl="0" eaLnBrk="1" latinLnBrk="0" hangingPunct="1">
+              <a:lnSpc>
+                <a:spcPct val="90000"/>
+              </a:lnSpc>
+              <a:spcBef>
+                <a:spcPts val="500"/>
+              </a:spcBef>
+              <a:buFont typeface="Arial" panose="020B0604020202020204" pitchFamily="34" charset="0"/>
+              <a:buChar char="•"/>
+              <a:defRPr sz="1800" kern="1200">
+                <a:solidFill>
+                  <a:schemeClr val="tx1"/>
+                </a:solidFill>
+                <a:latin typeface="+mn-lt"/>
+                <a:ea typeface="+mn-ea"/>
+                <a:cs typeface="+mn-cs"/>
+              </a:defRPr>
+            </a:lvl4pPr>
+            <a:lvl5pPr marL="2057400" indent="-228600" algn="l" defTabSz="914400" rtl="0" eaLnBrk="1" latinLnBrk="0" hangingPunct="1">
+              <a:lnSpc>
+                <a:spcPct val="90000"/>
+              </a:lnSpc>
+              <a:spcBef>
+                <a:spcPts val="500"/>
+              </a:spcBef>
+              <a:buFont typeface="Arial" panose="020B0604020202020204" pitchFamily="34" charset="0"/>
+              <a:buChar char="•"/>
+              <a:defRPr sz="1800" kern="1200">
+                <a:solidFill>
+                  <a:schemeClr val="tx1"/>
+                </a:solidFill>
+                <a:latin typeface="+mn-lt"/>
+                <a:ea typeface="+mn-ea"/>
+                <a:cs typeface="+mn-cs"/>
+              </a:defRPr>
+            </a:lvl5pPr>
+            <a:lvl6pPr marL="2514600" indent="-228600" algn="l" defTabSz="914400" rtl="0" eaLnBrk="1" latinLnBrk="0" hangingPunct="1">
+              <a:lnSpc>
+                <a:spcPct val="90000"/>
+              </a:lnSpc>
+              <a:spcBef>
+                <a:spcPts val="500"/>
+              </a:spcBef>
+              <a:buFont typeface="Arial" panose="020B0604020202020204" pitchFamily="34" charset="0"/>
+              <a:buChar char="•"/>
+              <a:defRPr sz="1800" kern="1200">
+                <a:solidFill>
+                  <a:schemeClr val="tx1"/>
+                </a:solidFill>
+                <a:latin typeface="+mn-lt"/>
+                <a:ea typeface="+mn-ea"/>
+                <a:cs typeface="+mn-cs"/>
+              </a:defRPr>
+            </a:lvl6pPr>
+            <a:lvl7pPr marL="2971800" indent="-228600" algn="l" defTabSz="914400" rtl="0" eaLnBrk="1" latinLnBrk="0" hangingPunct="1">
+              <a:lnSpc>
+                <a:spcPct val="90000"/>
+              </a:lnSpc>
+              <a:spcBef>
+                <a:spcPts val="500"/>
+              </a:spcBef>
+              <a:buFont typeface="Arial" panose="020B0604020202020204" pitchFamily="34" charset="0"/>
+              <a:buChar char="•"/>
+              <a:defRPr sz="1800" kern="1200">
+                <a:solidFill>
+                  <a:schemeClr val="tx1"/>
+                </a:solidFill>
+                <a:latin typeface="+mn-lt"/>
+                <a:ea typeface="+mn-ea"/>
+                <a:cs typeface="+mn-cs"/>
+              </a:defRPr>
+            </a:lvl7pPr>
+            <a:lvl8pPr marL="3429000" indent="-228600" algn="l" defTabSz="914400" rtl="0" eaLnBrk="1" latinLnBrk="0" hangingPunct="1">
+              <a:lnSpc>
+                <a:spcPct val="90000"/>
+              </a:lnSpc>
+              <a:spcBef>
+                <a:spcPts val="500"/>
+              </a:spcBef>
+              <a:buFont typeface="Arial" panose="020B0604020202020204" pitchFamily="34" charset="0"/>
+              <a:buChar char="•"/>
+              <a:defRPr sz="1800" kern="1200">
+                <a:solidFill>
+                  <a:schemeClr val="tx1"/>
+                </a:solidFill>
+                <a:latin typeface="+mn-lt"/>
+                <a:ea typeface="+mn-ea"/>
+                <a:cs typeface="+mn-cs"/>
+              </a:defRPr>
+            </a:lvl8pPr>
+            <a:lvl9pPr marL="3886200" indent="-228600" algn="l" defTabSz="914400" rtl="0" eaLnBrk="1" latinLnBrk="0" hangingPunct="1">
+              <a:lnSpc>
+                <a:spcPct val="90000"/>
+              </a:lnSpc>
+              <a:spcBef>
+                <a:spcPts val="500"/>
+              </a:spcBef>
+              <a:buFont typeface="Arial" panose="020B0604020202020204" pitchFamily="34" charset="0"/>
+              <a:buChar char="•"/>
+              <a:defRPr sz="1800" kern="1200">
+                <a:solidFill>
+                  <a:schemeClr val="tx1"/>
+                </a:solidFill>
+                <a:latin typeface="+mn-lt"/>
+                <a:ea typeface="+mn-ea"/>
+                <a:cs typeface="+mn-cs"/>
+              </a:defRPr>
+            </a:lvl9pPr>
+          </a:lstStyle>
+          <a:p>
+            <a:pPr fontAlgn="auto">
+              <a:lnSpc>
+                <a:spcPct val="150000"/>
+              </a:lnSpc>
+            </a:pPr>
+            <a:r>
+              <a:rPr lang="en-US" altLang="zh-CN">
+                <a:latin typeface="微软雅黑" panose="020B0503020204020204" charset="-122"/>
+                <a:ea typeface="微软雅黑" panose="020B0503020204020204" charset="-122"/>
+                <a:cs typeface="微软雅黑" panose="020B0503020204020204" charset="-122"/>
+              </a:rPr>
+              <a:t>2</a:t>
+            </a:r>
+            <a:r>
+              <a:rPr lang="zh-CN" altLang="en-US">
+                <a:latin typeface="微软雅黑" panose="020B0503020204020204" charset="-122"/>
+                <a:ea typeface="微软雅黑" panose="020B0503020204020204" charset="-122"/>
+                <a:cs typeface="微软雅黑" panose="020B0503020204020204" charset="-122"/>
+              </a:rPr>
+              <a:t>.</a:t>
+            </a:r>
+            <a:r>
+              <a:rPr lang="en-US" altLang="zh-CN">
+                <a:latin typeface="微软雅黑" panose="020B0503020204020204" charset="-122"/>
+                <a:ea typeface="微软雅黑" panose="020B0503020204020204" charset="-122"/>
+                <a:cs typeface="微软雅黑" panose="020B0503020204020204" charset="-122"/>
+              </a:rPr>
+              <a:t>3</a:t>
+            </a:r>
+            <a:r>
+              <a:rPr lang="zh-CN" altLang="en-US">
+                <a:latin typeface="微软雅黑" panose="020B0503020204020204" charset="-122"/>
+                <a:ea typeface="微软雅黑" panose="020B0503020204020204" charset="-122"/>
+                <a:cs typeface="微软雅黑" panose="020B0503020204020204" charset="-122"/>
+              </a:rPr>
+              <a:t> 部署和实施规范</a:t>
+            </a:r>
+            <a:endParaRPr lang="zh-CN" altLang="en-US">
+              <a:latin typeface="微软雅黑" panose="020B0503020204020204" charset="-122"/>
+              <a:ea typeface="微软雅黑" panose="020B0503020204020204" charset="-122"/>
+              <a:cs typeface="微软雅黑" panose="020B0503020204020204" charset="-122"/>
+            </a:endParaRPr>
+          </a:p>
+          <a:p>
+            <a:pPr fontAlgn="auto">
+              <a:lnSpc>
+                <a:spcPct val="150000"/>
+              </a:lnSpc>
+            </a:pPr>
+            <a:r>
+              <a:rPr lang="zh-CN" altLang="en-US" sz="2400">
+                <a:latin typeface="微软雅黑" panose="020B0503020204020204" charset="-122"/>
+                <a:ea typeface="微软雅黑" panose="020B0503020204020204" charset="-122"/>
+                <a:cs typeface="微软雅黑" panose="020B0503020204020204" charset="-122"/>
+              </a:rPr>
+              <a:t>   前后端分离的部署和实施</a:t>
+            </a:r>
+            <a:endParaRPr lang="zh-CN" altLang="en-US" sz="2400">
+              <a:latin typeface="微软雅黑" panose="020B0503020204020204" charset="-122"/>
+              <a:ea typeface="微软雅黑" panose="020B0503020204020204" charset="-122"/>
+              <a:cs typeface="微软雅黑" panose="020B0503020204020204" charset="-122"/>
+            </a:endParaRPr>
+          </a:p>
+          <a:p>
+            <a:pPr fontAlgn="auto">
+              <a:lnSpc>
+                <a:spcPct val="150000"/>
+              </a:lnSpc>
+            </a:pPr>
+            <a:r>
+              <a:rPr lang="zh-CN" altLang="en-US" sz="2400">
+                <a:latin typeface="微软雅黑" panose="020B0503020204020204" charset="-122"/>
+                <a:ea typeface="微软雅黑" panose="020B0503020204020204" charset="-122"/>
+                <a:cs typeface="微软雅黑" panose="020B0503020204020204" charset="-122"/>
+              </a:rPr>
+              <a:t>   跨平台部署</a:t>
+            </a:r>
+            <a:endParaRPr lang="zh-CN" altLang="en-US" sz="2400">
+              <a:latin typeface="微软雅黑" panose="020B0503020204020204" charset="-122"/>
+              <a:ea typeface="微软雅黑" panose="020B0503020204020204" charset="-122"/>
+              <a:cs typeface="微软雅黑" panose="020B0503020204020204" charset="-122"/>
+            </a:endParaRPr>
+          </a:p>
+        </p:txBody>
+      </p:sp>
     </p:spTree>
   </p:cSld>
   <p:clrMapOvr>
     <a:masterClrMapping/>
   </p:clrMapOvr>
+  <p:transition>
+    <p:comb dir="vert"/>
+  </p:transition>
 </p:sld>
 </file>
 
@@ -10032,7 +10130,7 @@
                 <a:latin typeface="微软雅黑" panose="020B0503020204020204" charset="-122"/>
                 <a:ea typeface="微软雅黑" panose="020B0503020204020204" charset="-122"/>
               </a:rPr>
-              <a:t>二、部门规范</a:t>
+              <a:t>三、开发环境</a:t>
             </a:r>
             <a:endParaRPr lang="zh-CN" altLang="en-US">
               <a:latin typeface="微软雅黑" panose="020B0503020204020204" charset="-122"/>
@@ -10061,12 +10159,42 @@
           <a:bodyPr/>
           <a:p>
             <a:r>
+              <a:rPr>
+                <a:latin typeface="微软雅黑" panose="020B0503020204020204" charset="-122"/>
+                <a:ea typeface="微软雅黑" panose="020B0503020204020204" charset="-122"/>
+                <a:cs typeface="微软雅黑" panose="020B0503020204020204" charset="-122"/>
+              </a:rPr>
+              <a:t>3.1 版本控制</a:t>
+            </a:r>
+            <a:endParaRPr>
+              <a:latin typeface="微软雅黑" panose="020B0503020204020204" charset="-122"/>
+              <a:ea typeface="微软雅黑" panose="020B0503020204020204" charset="-122"/>
+              <a:cs typeface="微软雅黑" panose="020B0503020204020204" charset="-122"/>
+            </a:endParaRPr>
+          </a:p>
+          <a:p>
+            <a:endParaRPr>
+              <a:latin typeface="微软雅黑" panose="020B0503020204020204" charset="-122"/>
+              <a:ea typeface="微软雅黑" panose="020B0503020204020204" charset="-122"/>
+              <a:cs typeface="微软雅黑" panose="020B0503020204020204" charset="-122"/>
+            </a:endParaRPr>
+          </a:p>
+          <a:p>
+            <a:r>
+              <a:rPr lang="zh-CN">
+                <a:latin typeface="微软雅黑" panose="020B0503020204020204" charset="-122"/>
+                <a:ea typeface="微软雅黑" panose="020B0503020204020204" charset="-122"/>
+                <a:cs typeface="微软雅黑" panose="020B0503020204020204" charset="-122"/>
+              </a:rPr>
+              <a:t>用</a:t>
+            </a:r>
+            <a:r>
               <a:rPr lang="en-US" altLang="zh-CN">
                 <a:latin typeface="微软雅黑" panose="020B0503020204020204" charset="-122"/>
                 <a:ea typeface="微软雅黑" panose="020B0503020204020204" charset="-122"/>
                 <a:cs typeface="微软雅黑" panose="020B0503020204020204" charset="-122"/>
               </a:rPr>
-              <a:t>2</a:t>
+              <a:t>Git</a:t>
             </a:r>
             <a:r>
               <a:rPr lang="zh-CN" altLang="en-US">
@@ -10074,7 +10202,15 @@
                 <a:ea typeface="微软雅黑" panose="020B0503020204020204" charset="-122"/>
                 <a:cs typeface="微软雅黑" panose="020B0503020204020204" charset="-122"/>
               </a:rPr>
-              <a:t>.</a:t>
+              <a:t>来进行</a:t>
+            </a:r>
+            <a:r>
+              <a:rPr lang="zh-CN">
+                <a:latin typeface="微软雅黑" panose="020B0503020204020204" charset="-122"/>
+                <a:ea typeface="微软雅黑" panose="020B0503020204020204" charset="-122"/>
+                <a:cs typeface="微软雅黑" panose="020B0503020204020204" charset="-122"/>
+              </a:rPr>
+              <a:t>版本控制，服务器使用</a:t>
             </a:r>
             <a:r>
               <a:rPr lang="en-US" altLang="zh-CN">
@@ -10082,7 +10218,7 @@
                 <a:ea typeface="微软雅黑" panose="020B0503020204020204" charset="-122"/>
                 <a:cs typeface="微软雅黑" panose="020B0503020204020204" charset="-122"/>
               </a:rPr>
-              <a:t>3</a:t>
+              <a:t>gitblit</a:t>
             </a:r>
             <a:r>
               <a:rPr lang="zh-CN" altLang="en-US">
@@ -10090,7 +10226,186 @@
                 <a:ea typeface="微软雅黑" panose="020B0503020204020204" charset="-122"/>
                 <a:cs typeface="微软雅黑" panose="020B0503020204020204" charset="-122"/>
               </a:rPr>
-              <a:t> 部署和实施规范</a:t>
+              <a:t>来进行搭建。</a:t>
+            </a:r>
+            <a:endParaRPr lang="zh-CN" altLang="en-US">
+              <a:latin typeface="微软雅黑" panose="020B0503020204020204" charset="-122"/>
+              <a:ea typeface="微软雅黑" panose="020B0503020204020204" charset="-122"/>
+              <a:cs typeface="微软雅黑" panose="020B0503020204020204" charset="-122"/>
+            </a:endParaRPr>
+          </a:p>
+          <a:p>
+            <a:endParaRPr lang="zh-CN" altLang="en-US">
+              <a:latin typeface="微软雅黑" panose="020B0503020204020204" charset="-122"/>
+              <a:ea typeface="微软雅黑" panose="020B0503020204020204" charset="-122"/>
+              <a:cs typeface="微软雅黑" panose="020B0503020204020204" charset="-122"/>
+            </a:endParaRPr>
+          </a:p>
+          <a:p>
+            <a:r>
+              <a:rPr lang="zh-CN" altLang="en-US">
+                <a:latin typeface="微软雅黑" panose="020B0503020204020204" charset="-122"/>
+                <a:ea typeface="微软雅黑" panose="020B0503020204020204" charset="-122"/>
+                <a:cs typeface="微软雅黑" panose="020B0503020204020204" charset="-122"/>
+              </a:rPr>
+              <a:t>环境集成：</a:t>
+            </a:r>
+            <a:endParaRPr lang="zh-CN" altLang="en-US">
+              <a:latin typeface="微软雅黑" panose="020B0503020204020204" charset="-122"/>
+              <a:ea typeface="微软雅黑" panose="020B0503020204020204" charset="-122"/>
+              <a:cs typeface="微软雅黑" panose="020B0503020204020204" charset="-122"/>
+            </a:endParaRPr>
+          </a:p>
+          <a:p>
+            <a:r>
+              <a:rPr lang="zh-CN" altLang="en-US">
+                <a:latin typeface="微软雅黑" panose="020B0503020204020204" charset="-122"/>
+                <a:ea typeface="微软雅黑" panose="020B0503020204020204" charset="-122"/>
+                <a:cs typeface="微软雅黑" panose="020B0503020204020204" charset="-122"/>
+              </a:rPr>
+              <a:t>       </a:t>
+            </a:r>
+            <a:r>
+              <a:rPr lang="en-US" altLang="zh-CN">
+                <a:latin typeface="微软雅黑" panose="020B0503020204020204" charset="-122"/>
+                <a:ea typeface="微软雅黑" panose="020B0503020204020204" charset="-122"/>
+                <a:cs typeface="微软雅黑" panose="020B0503020204020204" charset="-122"/>
+              </a:rPr>
+              <a:t>windows</a:t>
+            </a:r>
+            <a:r>
+              <a:rPr lang="zh-CN" altLang="en-US">
+                <a:latin typeface="微软雅黑" panose="020B0503020204020204" charset="-122"/>
+                <a:ea typeface="微软雅黑" panose="020B0503020204020204" charset="-122"/>
+                <a:cs typeface="微软雅黑" panose="020B0503020204020204" charset="-122"/>
+              </a:rPr>
+              <a:t>或者</a:t>
+            </a:r>
+            <a:r>
+              <a:rPr lang="en-US" altLang="zh-CN">
+                <a:latin typeface="微软雅黑" panose="020B0503020204020204" charset="-122"/>
+                <a:ea typeface="微软雅黑" panose="020B0503020204020204" charset="-122"/>
+                <a:cs typeface="微软雅黑" panose="020B0503020204020204" charset="-122"/>
+              </a:rPr>
+              <a:t>linux</a:t>
+            </a:r>
+            <a:r>
+              <a:rPr lang="zh-CN" altLang="en-US">
+                <a:latin typeface="微软雅黑" panose="020B0503020204020204" charset="-122"/>
+                <a:ea typeface="微软雅黑" panose="020B0503020204020204" charset="-122"/>
+                <a:cs typeface="微软雅黑" panose="020B0503020204020204" charset="-122"/>
+              </a:rPr>
+              <a:t>使用</a:t>
+            </a:r>
+            <a:r>
+              <a:rPr lang="en-US" altLang="zh-CN">
+                <a:latin typeface="微软雅黑" panose="020B0503020204020204" charset="-122"/>
+                <a:ea typeface="微软雅黑" panose="020B0503020204020204" charset="-122"/>
+                <a:cs typeface="微软雅黑" panose="020B0503020204020204" charset="-122"/>
+              </a:rPr>
+              <a:t>Git</a:t>
+            </a:r>
+            <a:r>
+              <a:rPr lang="zh-CN" altLang="en-US">
+                <a:latin typeface="微软雅黑" panose="020B0503020204020204" charset="-122"/>
+                <a:ea typeface="微软雅黑" panose="020B0503020204020204" charset="-122"/>
+                <a:cs typeface="微软雅黑" panose="020B0503020204020204" charset="-122"/>
+              </a:rPr>
+              <a:t>工具用于命令行使用。</a:t>
+            </a:r>
+            <a:endParaRPr lang="zh-CN" altLang="en-US">
+              <a:latin typeface="微软雅黑" panose="020B0503020204020204" charset="-122"/>
+              <a:ea typeface="微软雅黑" panose="020B0503020204020204" charset="-122"/>
+              <a:cs typeface="微软雅黑" panose="020B0503020204020204" charset="-122"/>
+            </a:endParaRPr>
+          </a:p>
+          <a:p>
+            <a:r>
+              <a:rPr lang="zh-CN" altLang="en-US">
+                <a:latin typeface="微软雅黑" panose="020B0503020204020204" charset="-122"/>
+                <a:ea typeface="微软雅黑" panose="020B0503020204020204" charset="-122"/>
+                <a:cs typeface="微软雅黑" panose="020B0503020204020204" charset="-122"/>
+              </a:rPr>
+              <a:t>       需要桌面客户端可以使用</a:t>
+            </a:r>
+            <a:r>
+              <a:rPr lang="en-US" altLang="zh-CN">
+                <a:latin typeface="微软雅黑" panose="020B0503020204020204" charset="-122"/>
+                <a:ea typeface="微软雅黑" panose="020B0503020204020204" charset="-122"/>
+                <a:cs typeface="微软雅黑" panose="020B0503020204020204" charset="-122"/>
+              </a:rPr>
+              <a:t>SourceTree</a:t>
+            </a:r>
+            <a:r>
+              <a:rPr lang="zh-CN" altLang="en-US">
+                <a:latin typeface="微软雅黑" panose="020B0503020204020204" charset="-122"/>
+                <a:ea typeface="微软雅黑" panose="020B0503020204020204" charset="-122"/>
+                <a:cs typeface="微软雅黑" panose="020B0503020204020204" charset="-122"/>
+              </a:rPr>
+              <a:t>或者</a:t>
+            </a:r>
+            <a:r>
+              <a:rPr lang="en-US" altLang="zh-CN">
+                <a:latin typeface="微软雅黑" panose="020B0503020204020204" charset="-122"/>
+                <a:ea typeface="微软雅黑" panose="020B0503020204020204" charset="-122"/>
+                <a:cs typeface="微软雅黑" panose="020B0503020204020204" charset="-122"/>
+              </a:rPr>
+              <a:t>TortoiseGit</a:t>
+            </a:r>
+            <a:r>
+              <a:rPr lang="zh-CN" altLang="en-US">
+                <a:latin typeface="微软雅黑" panose="020B0503020204020204" charset="-122"/>
+                <a:ea typeface="微软雅黑" panose="020B0503020204020204" charset="-122"/>
+                <a:cs typeface="微软雅黑" panose="020B0503020204020204" charset="-122"/>
+              </a:rPr>
+              <a:t>。</a:t>
+            </a:r>
+            <a:endParaRPr lang="zh-CN" altLang="en-US">
+              <a:latin typeface="微软雅黑" panose="020B0503020204020204" charset="-122"/>
+              <a:ea typeface="微软雅黑" panose="020B0503020204020204" charset="-122"/>
+              <a:cs typeface="微软雅黑" panose="020B0503020204020204" charset="-122"/>
+            </a:endParaRPr>
+          </a:p>
+          <a:p>
+            <a:r>
+              <a:rPr lang="zh-CN" altLang="en-US">
+                <a:latin typeface="微软雅黑" panose="020B0503020204020204" charset="-122"/>
+                <a:ea typeface="微软雅黑" panose="020B0503020204020204" charset="-122"/>
+                <a:cs typeface="微软雅黑" panose="020B0503020204020204" charset="-122"/>
+              </a:rPr>
+              <a:t>       </a:t>
+            </a:r>
+            <a:r>
+              <a:rPr lang="en-US" altLang="zh-CN">
+                <a:latin typeface="微软雅黑" panose="020B0503020204020204" charset="-122"/>
+                <a:ea typeface="微软雅黑" panose="020B0503020204020204" charset="-122"/>
+                <a:cs typeface="微软雅黑" panose="020B0503020204020204" charset="-122"/>
+              </a:rPr>
+              <a:t>IDE</a:t>
+            </a:r>
+            <a:r>
+              <a:rPr lang="zh-CN" altLang="en-US">
+                <a:latin typeface="微软雅黑" panose="020B0503020204020204" charset="-122"/>
+                <a:ea typeface="微软雅黑" panose="020B0503020204020204" charset="-122"/>
+                <a:cs typeface="微软雅黑" panose="020B0503020204020204" charset="-122"/>
+              </a:rPr>
+              <a:t>开发环境使用内置的</a:t>
+            </a:r>
+            <a:r>
+              <a:rPr lang="en-US" altLang="zh-CN">
+                <a:latin typeface="微软雅黑" panose="020B0503020204020204" charset="-122"/>
+                <a:ea typeface="微软雅黑" panose="020B0503020204020204" charset="-122"/>
+                <a:cs typeface="微软雅黑" panose="020B0503020204020204" charset="-122"/>
+              </a:rPr>
+              <a:t>git</a:t>
+            </a:r>
+            <a:r>
+              <a:rPr lang="zh-CN" altLang="en-US">
+                <a:latin typeface="微软雅黑" panose="020B0503020204020204" charset="-122"/>
+                <a:ea typeface="微软雅黑" panose="020B0503020204020204" charset="-122"/>
+                <a:cs typeface="微软雅黑" panose="020B0503020204020204" charset="-122"/>
+              </a:rPr>
+              <a:t>或者插件来集成。</a:t>
             </a:r>
             <a:endParaRPr lang="zh-CN" altLang="en-US">
               <a:latin typeface="微软雅黑" panose="020B0503020204020204" charset="-122"/>
@@ -10116,7 +10431,7 @@
         </p:blipFill>
         <p:spPr>
           <a:xfrm>
-            <a:off x="1270" y="1905"/>
+            <a:off x="1270" y="0"/>
             <a:ext cx="2000250" cy="666750"/>
           </a:xfrm>
           <a:prstGeom prst="rect">
@@ -10129,6 +10444,9 @@
   <p:clrMapOvr>
     <a:masterClrMapping/>
   </p:clrMapOvr>
+  <p:transition>
+    <p:comb/>
+  </p:transition>
 </p:sld>
 </file>
 
@@ -10208,16 +10526,48 @@
                 <a:ea typeface="微软雅黑" panose="020B0503020204020204" charset="-122"/>
                 <a:cs typeface="微软雅黑" panose="020B0503020204020204" charset="-122"/>
               </a:rPr>
-              <a:t>3.1 版本控制</a:t>
-            </a:r>
-            <a:endParaRPr>
+              <a:t>3.</a:t>
+            </a:r>
+            <a:r>
+              <a:rPr lang="en-US">
+                <a:latin typeface="微软雅黑" panose="020B0503020204020204" charset="-122"/>
+                <a:ea typeface="微软雅黑" panose="020B0503020204020204" charset="-122"/>
+                <a:cs typeface="微软雅黑" panose="020B0503020204020204" charset="-122"/>
+              </a:rPr>
+              <a:t>2</a:t>
+            </a:r>
+            <a:r>
+              <a:rPr>
+                <a:latin typeface="微软雅黑" panose="020B0503020204020204" charset="-122"/>
+                <a:ea typeface="微软雅黑" panose="020B0503020204020204" charset="-122"/>
+                <a:cs typeface="微软雅黑" panose="020B0503020204020204" charset="-122"/>
+              </a:rPr>
+              <a:t> </a:t>
+            </a:r>
+            <a:r>
+              <a:rPr lang="zh-CN">
+                <a:latin typeface="微软雅黑" panose="020B0503020204020204" charset="-122"/>
+                <a:ea typeface="微软雅黑" panose="020B0503020204020204" charset="-122"/>
+                <a:cs typeface="微软雅黑" panose="020B0503020204020204" charset="-122"/>
+              </a:rPr>
+              <a:t>编程</a:t>
+            </a:r>
+            <a:r>
+              <a:rPr lang="en-US" altLang="zh-CN">
+                <a:latin typeface="微软雅黑" panose="020B0503020204020204" charset="-122"/>
+                <a:ea typeface="微软雅黑" panose="020B0503020204020204" charset="-122"/>
+                <a:cs typeface="微软雅黑" panose="020B0503020204020204" charset="-122"/>
+              </a:rPr>
+              <a:t>IDE</a:t>
+            </a:r>
+            <a:endParaRPr lang="en-US" altLang="zh-CN">
               <a:latin typeface="微软雅黑" panose="020B0503020204020204" charset="-122"/>
               <a:ea typeface="微软雅黑" panose="020B0503020204020204" charset="-122"/>
               <a:cs typeface="微软雅黑" panose="020B0503020204020204" charset="-122"/>
             </a:endParaRPr>
           </a:p>
           <a:p>
-            <a:endParaRPr>
+            <a:endParaRPr lang="en-US" altLang="zh-CN">
               <a:latin typeface="微软雅黑" panose="020B0503020204020204" charset="-122"/>
               <a:ea typeface="微软雅黑" panose="020B0503020204020204" charset="-122"/>
               <a:cs typeface="微软雅黑" panose="020B0503020204020204" charset="-122"/>
@@ -10225,12 +10575,12 @@
           </a:p>
           <a:p>
             <a:r>
-              <a:rPr lang="zh-CN">
+              <a:rPr lang="zh-CN" altLang="en-US">
                 <a:latin typeface="微软雅黑" panose="020B0503020204020204" charset="-122"/>
                 <a:ea typeface="微软雅黑" panose="020B0503020204020204" charset="-122"/>
                 <a:cs typeface="微软雅黑" panose="020B0503020204020204" charset="-122"/>
               </a:rPr>
-              <a:t>用</a:t>
+              <a:t>文本编辑： </a:t>
             </a:r>
             <a:r>
               <a:rPr lang="en-US" altLang="zh-CN">
@@ -10238,7 +10588,7 @@
                 <a:ea typeface="微软雅黑" panose="020B0503020204020204" charset="-122"/>
                 <a:cs typeface="微软雅黑" panose="020B0503020204020204" charset="-122"/>
               </a:rPr>
-              <a:t>Git</a:t>
+              <a:t>NotePad++</a:t>
             </a:r>
             <a:r>
               <a:rPr lang="zh-CN" altLang="en-US">
@@ -10246,15 +10596,23 @@
                 <a:ea typeface="微软雅黑" panose="020B0503020204020204" charset="-122"/>
                 <a:cs typeface="微软雅黑" panose="020B0503020204020204" charset="-122"/>
               </a:rPr>
-              <a:t>来进行</a:t>
-            </a:r>
-            <a:r>
-              <a:rPr lang="zh-CN">
+              <a:t>、</a:t>
+            </a:r>
+            <a:r>
+              <a:rPr lang="en-US" altLang="zh-CN">
                 <a:latin typeface="微软雅黑" panose="020B0503020204020204" charset="-122"/>
                 <a:ea typeface="微软雅黑" panose="020B0503020204020204" charset="-122"/>
                 <a:cs typeface="微软雅黑" panose="020B0503020204020204" charset="-122"/>
               </a:rPr>
-              <a:t>版本控制，服务器使用</a:t>
+              <a:t>vim</a:t>
+            </a:r>
+            <a:r>
+              <a:rPr lang="zh-CN" altLang="en-US">
+                <a:latin typeface="微软雅黑" panose="020B0503020204020204" charset="-122"/>
+                <a:ea typeface="微软雅黑" panose="020B0503020204020204" charset="-122"/>
+                <a:cs typeface="微软雅黑" panose="020B0503020204020204" charset="-122"/>
+              </a:rPr>
+              <a:t>、</a:t>
             </a:r>
             <a:r>
               <a:rPr lang="en-US" altLang="zh-CN">
@@ -10262,7 +10620,7 @@
                 <a:ea typeface="微软雅黑" panose="020B0503020204020204" charset="-122"/>
                 <a:cs typeface="微软雅黑" panose="020B0503020204020204" charset="-122"/>
               </a:rPr>
-              <a:t>gitblit</a:t>
+              <a:t>nano</a:t>
             </a:r>
             <a:r>
               <a:rPr lang="zh-CN" altLang="en-US">
@@ -10270,7 +10628,62 @@
                 <a:ea typeface="微软雅黑" panose="020B0503020204020204" charset="-122"/>
                 <a:cs typeface="微软雅黑" panose="020B0503020204020204" charset="-122"/>
               </a:rPr>
-              <a:t>来进行搭建。</a:t>
+              <a:t>、</a:t>
+            </a:r>
+            <a:r>
+              <a:rPr lang="en-US" altLang="zh-CN">
+                <a:latin typeface="微软雅黑" panose="020B0503020204020204" charset="-122"/>
+                <a:ea typeface="微软雅黑" panose="020B0503020204020204" charset="-122"/>
+                <a:cs typeface="微软雅黑" panose="020B0503020204020204" charset="-122"/>
+              </a:rPr>
+              <a:t>gedit</a:t>
+            </a:r>
+            <a:r>
+              <a:rPr lang="zh-CN" altLang="en-US">
+                <a:latin typeface="微软雅黑" panose="020B0503020204020204" charset="-122"/>
+                <a:ea typeface="微软雅黑" panose="020B0503020204020204" charset="-122"/>
+                <a:cs typeface="微软雅黑" panose="020B0503020204020204" charset="-122"/>
+              </a:rPr>
+              <a:t>等。</a:t>
+            </a:r>
+            <a:endParaRPr lang="en-US" altLang="zh-CN">
+              <a:latin typeface="微软雅黑" panose="020B0503020204020204" charset="-122"/>
+              <a:ea typeface="微软雅黑" panose="020B0503020204020204" charset="-122"/>
+              <a:cs typeface="微软雅黑" panose="020B0503020204020204" charset="-122"/>
+            </a:endParaRPr>
+          </a:p>
+          <a:p>
+            <a:r>
+              <a:rPr lang="en-US" altLang="zh-CN">
+                <a:latin typeface="微软雅黑" panose="020B0503020204020204" charset="-122"/>
+                <a:ea typeface="微软雅黑" panose="020B0503020204020204" charset="-122"/>
+                <a:cs typeface="微软雅黑" panose="020B0503020204020204" charset="-122"/>
+              </a:rPr>
+              <a:t>Java</a:t>
+            </a:r>
+            <a:r>
+              <a:rPr lang="zh-CN" altLang="en-US">
+                <a:latin typeface="微软雅黑" panose="020B0503020204020204" charset="-122"/>
+                <a:ea typeface="微软雅黑" panose="020B0503020204020204" charset="-122"/>
+                <a:cs typeface="微软雅黑" panose="020B0503020204020204" charset="-122"/>
+              </a:rPr>
+              <a:t>开发： 推荐使用</a:t>
+            </a:r>
+            <a:r>
+              <a:rPr lang="en-US" altLang="zh-CN">
+                <a:latin typeface="微软雅黑" panose="020B0503020204020204" charset="-122"/>
+                <a:ea typeface="微软雅黑" panose="020B0503020204020204" charset="-122"/>
+                <a:cs typeface="微软雅黑" panose="020B0503020204020204" charset="-122"/>
+              </a:rPr>
+              <a:t>IntelliJ IDEA</a:t>
+            </a:r>
+            <a:r>
+              <a:rPr lang="zh-CN" altLang="en-US">
+                <a:latin typeface="微软雅黑" panose="020B0503020204020204" charset="-122"/>
+                <a:ea typeface="微软雅黑" panose="020B0503020204020204" charset="-122"/>
+                <a:cs typeface="微软雅黑" panose="020B0503020204020204" charset="-122"/>
+              </a:rPr>
+              <a:t>。</a:t>
             </a:r>
             <a:endParaRPr lang="zh-CN" altLang="en-US">
               <a:latin typeface="微软雅黑" panose="020B0503020204020204" charset="-122"/>
@@ -10279,6 +10692,30 @@
             </a:endParaRPr>
           </a:p>
           <a:p>
+            <a:r>
+              <a:rPr lang="zh-CN" altLang="en-US">
+                <a:latin typeface="微软雅黑" panose="020B0503020204020204" charset="-122"/>
+                <a:ea typeface="微软雅黑" panose="020B0503020204020204" charset="-122"/>
+                <a:cs typeface="微软雅黑" panose="020B0503020204020204" charset="-122"/>
+              </a:rPr>
+              <a:t>前端开发： 推荐使用IntelliJ IDEA或者IntelliJ </a:t>
+            </a:r>
+            <a:r>
+              <a:rPr lang="en-US" altLang="zh-CN">
+                <a:latin typeface="微软雅黑" panose="020B0503020204020204" charset="-122"/>
+                <a:ea typeface="微软雅黑" panose="020B0503020204020204" charset="-122"/>
+                <a:cs typeface="微软雅黑" panose="020B0503020204020204" charset="-122"/>
+              </a:rPr>
+              <a:t>WebStorm</a:t>
+            </a:r>
+            <a:r>
+              <a:rPr lang="zh-CN" altLang="en-US">
+                <a:latin typeface="微软雅黑" panose="020B0503020204020204" charset="-122"/>
+                <a:ea typeface="微软雅黑" panose="020B0503020204020204" charset="-122"/>
+                <a:cs typeface="微软雅黑" panose="020B0503020204020204" charset="-122"/>
+              </a:rPr>
+              <a:t>。</a:t>
+            </a:r>
             <a:endParaRPr lang="zh-CN" altLang="en-US">
               <a:latin typeface="微软雅黑" panose="020B0503020204020204" charset="-122"/>
               <a:ea typeface="微软雅黑" panose="020B0503020204020204" charset="-122"/>
@@ -10292,7 +10729,7 @@
                 <a:ea typeface="微软雅黑" panose="020B0503020204020204" charset="-122"/>
                 <a:cs typeface="微软雅黑" panose="020B0503020204020204" charset="-122"/>
               </a:rPr>
-              <a:t>环境集成：</a:t>
+              <a:t>其他开发：</a:t>
             </a:r>
             <a:endParaRPr lang="zh-CN" altLang="en-US">
               <a:latin typeface="微软雅黑" panose="020B0503020204020204" charset="-122"/>
@@ -10307,7 +10744,7 @@
                 <a:ea typeface="微软雅黑" panose="020B0503020204020204" charset="-122"/>
                 <a:cs typeface="微软雅黑" panose="020B0503020204020204" charset="-122"/>
               </a:rPr>
-              <a:t>       </a:t>
+              <a:t>        </a:t>
             </a:r>
             <a:r>
               <a:rPr lang="en-US" altLang="zh-CN">
@@ -10315,7 +10752,7 @@
                 <a:ea typeface="微软雅黑" panose="020B0503020204020204" charset="-122"/>
                 <a:cs typeface="微软雅黑" panose="020B0503020204020204" charset="-122"/>
               </a:rPr>
-              <a:t>windows</a:t>
+              <a:t>Windows</a:t>
             </a:r>
             <a:r>
               <a:rPr lang="zh-CN" altLang="en-US">
@@ -10323,7 +10760,7 @@
                 <a:ea typeface="微软雅黑" panose="020B0503020204020204" charset="-122"/>
                 <a:cs typeface="微软雅黑" panose="020B0503020204020204" charset="-122"/>
               </a:rPr>
-              <a:t>或者</a:t>
+              <a:t>原生开发</a:t>
             </a:r>
             <a:r>
               <a:rPr lang="en-US" altLang="zh-CN">
@@ -10331,7 +10768,7 @@
                 <a:ea typeface="微软雅黑" panose="020B0503020204020204" charset="-122"/>
                 <a:cs typeface="微软雅黑" panose="020B0503020204020204" charset="-122"/>
               </a:rPr>
-              <a:t>linux</a:t>
+              <a:t>-Visual Stdio</a:t>
             </a:r>
             <a:r>
               <a:rPr lang="zh-CN" altLang="en-US">
@@ -10339,25 +10776,9 @@
                 <a:ea typeface="微软雅黑" panose="020B0503020204020204" charset="-122"/>
                 <a:cs typeface="微软雅黑" panose="020B0503020204020204" charset="-122"/>
               </a:rPr>
-              <a:t>使用</a:t>
-            </a:r>
-            <a:r>
-              <a:rPr lang="en-US" altLang="zh-CN">
-                <a:latin typeface="微软雅黑" panose="020B0503020204020204" charset="-122"/>
-                <a:ea typeface="微软雅黑" panose="020B0503020204020204" charset="-122"/>
-                <a:cs typeface="微软雅黑" panose="020B0503020204020204" charset="-122"/>
-              </a:rPr>
-              <a:t>Git</a:t>
-            </a:r>
-            <a:r>
-              <a:rPr lang="zh-CN" altLang="en-US">
-                <a:latin typeface="微软雅黑" panose="020B0503020204020204" charset="-122"/>
-                <a:ea typeface="微软雅黑" panose="020B0503020204020204" charset="-122"/>
-                <a:cs typeface="微软雅黑" panose="020B0503020204020204" charset="-122"/>
-              </a:rPr>
-              <a:t>工具用于命令行使用。</a:t>
-            </a:r>
-            <a:endParaRPr lang="zh-CN" altLang="en-US">
+              <a:t>。</a:t>
+            </a:r>
+            <a:endParaRPr lang="en-US" altLang="zh-CN">
               <a:latin typeface="微软雅黑" panose="020B0503020204020204" charset="-122"/>
               <a:ea typeface="微软雅黑" panose="020B0503020204020204" charset="-122"/>
               <a:cs typeface="微软雅黑" panose="020B0503020204020204" charset="-122"/>
@@ -10370,7 +10791,7 @@
                 <a:ea typeface="微软雅黑" panose="020B0503020204020204" charset="-122"/>
                 <a:cs typeface="微软雅黑" panose="020B0503020204020204" charset="-122"/>
               </a:rPr>
-              <a:t>       需要桌面客户端可以使用</a:t>
+              <a:t>        </a:t>
             </a:r>
             <a:r>
               <a:rPr lang="en-US" altLang="zh-CN">
@@ -10378,7 +10799,7 @@
                 <a:ea typeface="微软雅黑" panose="020B0503020204020204" charset="-122"/>
                 <a:cs typeface="微软雅黑" panose="020B0503020204020204" charset="-122"/>
               </a:rPr>
-              <a:t>SourceTree</a:t>
+              <a:t>Linux</a:t>
             </a:r>
             <a:r>
               <a:rPr lang="zh-CN" altLang="en-US">
@@ -10386,7 +10807,7 @@
                 <a:ea typeface="微软雅黑" panose="020B0503020204020204" charset="-122"/>
                 <a:cs typeface="微软雅黑" panose="020B0503020204020204" charset="-122"/>
               </a:rPr>
-              <a:t>或者</a:t>
+              <a:t>原生开发</a:t>
             </a:r>
             <a:r>
               <a:rPr lang="en-US" altLang="zh-CN">
@@ -10394,7 +10815,7 @@
                 <a:ea typeface="微软雅黑" panose="020B0503020204020204" charset="-122"/>
                 <a:cs typeface="微软雅黑" panose="020B0503020204020204" charset="-122"/>
               </a:rPr>
-              <a:t>TortoiseGit</a:t>
+              <a:t>-Eclipse</a:t>
             </a:r>
             <a:r>
               <a:rPr lang="zh-CN" altLang="en-US">
@@ -10402,54 +10823,23 @@
                 <a:ea typeface="微软雅黑" panose="020B0503020204020204" charset="-122"/>
                 <a:cs typeface="微软雅黑" panose="020B0503020204020204" charset="-122"/>
               </a:rPr>
-              <a:t>。</a:t>
-            </a:r>
-            <a:endParaRPr lang="zh-CN" altLang="en-US">
-              <a:latin typeface="微软雅黑" panose="020B0503020204020204" charset="-122"/>
-              <a:ea typeface="微软雅黑" panose="020B0503020204020204" charset="-122"/>
-              <a:cs typeface="微软雅黑" panose="020B0503020204020204" charset="-122"/>
-            </a:endParaRPr>
-          </a:p>
-          <a:p>
+              <a:t>（</a:t>
+            </a:r>
+            <a:r>
+              <a:rPr lang="en-US" altLang="zh-CN">
+                <a:latin typeface="微软雅黑" panose="020B0503020204020204" charset="-122"/>
+                <a:ea typeface="微软雅黑" panose="020B0503020204020204" charset="-122"/>
+                <a:cs typeface="微软雅黑" panose="020B0503020204020204" charset="-122"/>
+              </a:rPr>
+              <a:t>+</a:t>
+            </a:r>
             <a:r>
               <a:rPr lang="zh-CN" altLang="en-US">
                 <a:latin typeface="微软雅黑" panose="020B0503020204020204" charset="-122"/>
                 <a:ea typeface="微软雅黑" panose="020B0503020204020204" charset="-122"/>
                 <a:cs typeface="微软雅黑" panose="020B0503020204020204" charset="-122"/>
               </a:rPr>
-              <a:t>       </a:t>
-            </a:r>
-            <a:r>
-              <a:rPr lang="en-US" altLang="zh-CN">
-                <a:latin typeface="微软雅黑" panose="020B0503020204020204" charset="-122"/>
-                <a:ea typeface="微软雅黑" panose="020B0503020204020204" charset="-122"/>
-                <a:cs typeface="微软雅黑" panose="020B0503020204020204" charset="-122"/>
-              </a:rPr>
-              <a:t>IDE</a:t>
-            </a:r>
-            <a:r>
-              <a:rPr lang="zh-CN" altLang="en-US">
-                <a:latin typeface="微软雅黑" panose="020B0503020204020204" charset="-122"/>
-                <a:ea typeface="微软雅黑" panose="020B0503020204020204" charset="-122"/>
-                <a:cs typeface="微软雅黑" panose="020B0503020204020204" charset="-122"/>
-              </a:rPr>
-              <a:t>开发环境使用内置的</a:t>
-            </a:r>
-            <a:r>
-              <a:rPr lang="en-US" altLang="zh-CN">
-                <a:latin typeface="微软雅黑" panose="020B0503020204020204" charset="-122"/>
-                <a:ea typeface="微软雅黑" panose="020B0503020204020204" charset="-122"/>
-                <a:cs typeface="微软雅黑" panose="020B0503020204020204" charset="-122"/>
-              </a:rPr>
-              <a:t>git</a:t>
-            </a:r>
-            <a:r>
-              <a:rPr lang="zh-CN" altLang="en-US">
-                <a:latin typeface="微软雅黑" panose="020B0503020204020204" charset="-122"/>
-                <a:ea typeface="微软雅黑" panose="020B0503020204020204" charset="-122"/>
-                <a:cs typeface="微软雅黑" panose="020B0503020204020204" charset="-122"/>
-              </a:rPr>
-              <a:t>或者插件来集成。</a:t>
+              <a:t>必要的插件）。</a:t>
             </a:r>
             <a:endParaRPr lang="zh-CN" altLang="en-US">
               <a:latin typeface="微软雅黑" panose="020B0503020204020204" charset="-122"/>
@@ -10475,7 +10865,7 @@
         </p:blipFill>
         <p:spPr>
           <a:xfrm>
-            <a:off x="1270" y="1905"/>
+            <a:off x="1270" y="0"/>
             <a:ext cx="2000250" cy="666750"/>
           </a:xfrm>
           <a:prstGeom prst="rect">
@@ -10488,6 +10878,9 @@
   <p:clrMapOvr>
     <a:masterClrMapping/>
   </p:clrMapOvr>
+  <p:transition>
+    <p:comb dir="vert"/>
+  </p:transition>
 </p:sld>
 </file>
 

--- a/部门建设.pptx
+++ b/部门建设.pptx
@@ -6196,12 +6196,20 @@
                         <a:buNone/>
                       </a:pPr>
                       <a:r>
+                        <a:rPr lang="zh-CN" altLang="en-US" sz="2400">
+                          <a:latin typeface="微软雅黑" panose="020B0503020204020204" charset="-122"/>
+                          <a:ea typeface="微软雅黑" panose="020B0503020204020204" charset="-122"/>
+                          <a:cs typeface="微软雅黑" panose="020B0503020204020204" charset="-122"/>
+                        </a:rPr>
+                        <a:t>部门</a:t>
+                      </a:r>
+                      <a:r>
                         <a:rPr lang="en-US" altLang="zh-CN" sz="2400">
                           <a:latin typeface="微软雅黑" panose="020B0503020204020204" charset="-122"/>
                           <a:ea typeface="微软雅黑" panose="020B0503020204020204" charset="-122"/>
                           <a:cs typeface="微软雅黑" panose="020B0503020204020204" charset="-122"/>
                         </a:rPr>
-                        <a:t>Git</a:t>
+                        <a:t>SVN</a:t>
                       </a:r>
                       <a:r>
                         <a:rPr lang="zh-CN" altLang="en-US" sz="2400">
@@ -6220,7 +6228,7 @@
                   </a:txBody>
                   <a:tcPr/>
                 </a:tc>
-                <a:tc>
+                <a:tc rowSpan="2">
                   <a:txBody>
                     <a:bodyPr/>
                     <a:p>
@@ -6243,6 +6251,16 @@
                         </a:rPr>
                         <a:t>台</a:t>
                       </a:r>
+                      <a:endParaRPr lang="zh-CN" altLang="en-US" sz="2400">
+                        <a:latin typeface="微软雅黑" panose="020B0503020204020204" charset="-122"/>
+                        <a:ea typeface="微软雅黑" panose="020B0503020204020204" charset="-122"/>
+                        <a:cs typeface="微软雅黑" panose="020B0503020204020204" charset="-122"/>
+                      </a:endParaRPr>
+                    </a:p>
+                    <a:p>
+                      <a:pPr>
+                        <a:buNone/>
+                      </a:pPr>
                       <a:endParaRPr lang="zh-CN" altLang="en-US" sz="2400">
                         <a:latin typeface="微软雅黑" panose="020B0503020204020204" charset="-122"/>
                         <a:ea typeface="微软雅黑" panose="020B0503020204020204" charset="-122"/>
@@ -6273,7 +6291,7 @@
                           <a:ea typeface="微软雅黑" panose="020B0503020204020204" charset="-122"/>
                           <a:cs typeface="微软雅黑" panose="020B0503020204020204" charset="-122"/>
                         </a:rPr>
-                        <a:t>Gitblit</a:t>
+                        <a:t>subversion</a:t>
                       </a:r>
                       <a:r>
                         <a:rPr lang="zh-CN" altLang="en-US" sz="2400">
@@ -6348,36 +6366,7 @@
                   </a:txBody>
                   <a:tcPr/>
                 </a:tc>
-                <a:tc>
-                  <a:txBody>
-                    <a:bodyPr/>
-                    <a:p>
-                      <a:pPr>
-                        <a:buNone/>
-                      </a:pPr>
-                      <a:r>
-                        <a:rPr lang="en-US" altLang="zh-CN" sz="2400">
-                          <a:latin typeface="微软雅黑" panose="020B0503020204020204" charset="-122"/>
-                          <a:ea typeface="微软雅黑" panose="020B0503020204020204" charset="-122"/>
-                          <a:cs typeface="微软雅黑" panose="020B0503020204020204" charset="-122"/>
-                        </a:rPr>
-                        <a:t>1</a:t>
-                      </a:r>
-                      <a:r>
-                        <a:rPr lang="zh-CN" altLang="en-US" sz="2400">
-                          <a:latin typeface="微软雅黑" panose="020B0503020204020204" charset="-122"/>
-                          <a:ea typeface="微软雅黑" panose="020B0503020204020204" charset="-122"/>
-                          <a:cs typeface="微软雅黑" panose="020B0503020204020204" charset="-122"/>
-                        </a:rPr>
-                        <a:t>台</a:t>
-                      </a:r>
-                      <a:endParaRPr lang="zh-CN" altLang="en-US" sz="2400">
-                        <a:latin typeface="微软雅黑" panose="020B0503020204020204" charset="-122"/>
-                        <a:ea typeface="微软雅黑" panose="020B0503020204020204" charset="-122"/>
-                        <a:cs typeface="微软雅黑" panose="020B0503020204020204" charset="-122"/>
-                      </a:endParaRPr>
-                    </a:p>
-                  </a:txBody>
+                <a:tc vMerge="1">
                   <a:tcPr/>
                 </a:tc>
                 <a:tc>
@@ -6461,7 +6450,7 @@
                           <a:ea typeface="微软雅黑" panose="020B0503020204020204" charset="-122"/>
                           <a:cs typeface="微软雅黑" panose="020B0503020204020204" charset="-122"/>
                         </a:rPr>
-                        <a:t>3</a:t>
+                        <a:t>2</a:t>
                       </a:r>
                       <a:r>
                         <a:rPr lang="zh-CN" altLang="en-US" sz="2400">
@@ -6540,7 +6529,7 @@
                         </a:rPr>
                         <a:t>员工开发计算机</a:t>
                       </a:r>
-                      <a:endParaRPr lang="zh-CN" altLang="en-US" sz="2400">
+                      <a:endParaRPr lang="en-US" altLang="zh-CN" sz="2400">
                         <a:latin typeface="微软雅黑" panose="020B0503020204020204" charset="-122"/>
                         <a:ea typeface="微软雅黑" panose="020B0503020204020204" charset="-122"/>
                       </a:endParaRPr>
@@ -6592,107 +6581,7 @@
                           <a:latin typeface="微软雅黑" panose="020B0503020204020204" charset="-122"/>
                           <a:ea typeface="微软雅黑" panose="020B0503020204020204" charset="-122"/>
                         </a:rPr>
-                        <a:t>按照人员进行配置</a:t>
-                      </a:r>
-                      <a:endParaRPr lang="zh-CN" altLang="en-US" sz="2400">
-                        <a:latin typeface="微软雅黑" panose="020B0503020204020204" charset="-122"/>
-                        <a:ea typeface="微软雅黑" panose="020B0503020204020204" charset="-122"/>
-                      </a:endParaRPr>
-                    </a:p>
-                  </a:txBody>
-                  <a:tcPr/>
-                </a:tc>
-              </a:tr>
-              <a:tr h="516255">
-                <a:tc>
-                  <a:txBody>
-                    <a:bodyPr/>
-                    <a:p>
-                      <a:pPr>
-                        <a:buNone/>
-                      </a:pPr>
-                      <a:r>
-                        <a:rPr lang="en-US" altLang="zh-CN" sz="2400">
-                          <a:latin typeface="微软雅黑" panose="020B0503020204020204" charset="-122"/>
-                          <a:ea typeface="微软雅黑" panose="020B0503020204020204" charset="-122"/>
-                        </a:rPr>
-                        <a:t>5</a:t>
-                      </a:r>
-                      <a:endParaRPr lang="en-US" altLang="zh-CN" sz="2400">
-                        <a:latin typeface="微软雅黑" panose="020B0503020204020204" charset="-122"/>
-                        <a:ea typeface="微软雅黑" panose="020B0503020204020204" charset="-122"/>
-                      </a:endParaRPr>
-                    </a:p>
-                  </a:txBody>
-                  <a:tcPr/>
-                </a:tc>
-                <a:tc>
-                  <a:txBody>
-                    <a:bodyPr/>
-                    <a:p>
-                      <a:pPr>
-                        <a:buNone/>
-                      </a:pPr>
-                      <a:r>
-                        <a:rPr lang="zh-CN" altLang="en-US" sz="2400">
-                          <a:latin typeface="微软雅黑" panose="020B0503020204020204" charset="-122"/>
-                          <a:ea typeface="微软雅黑" panose="020B0503020204020204" charset="-122"/>
-                        </a:rPr>
-                        <a:t>出差用计算机</a:t>
-                      </a:r>
-                      <a:endParaRPr lang="zh-CN" altLang="en-US" sz="2400">
-                        <a:latin typeface="微软雅黑" panose="020B0503020204020204" charset="-122"/>
-                        <a:ea typeface="微软雅黑" panose="020B0503020204020204" charset="-122"/>
-                      </a:endParaRPr>
-                    </a:p>
-                  </a:txBody>
-                  <a:tcPr/>
-                </a:tc>
-                <a:tc>
-                  <a:txBody>
-                    <a:bodyPr/>
-                    <a:p>
-                      <a:pPr>
-                        <a:buNone/>
-                      </a:pPr>
-                      <a:r>
-                        <a:rPr lang="en-US" altLang="zh-CN" sz="2400">
-                          <a:latin typeface="微软雅黑" panose="020B0503020204020204" charset="-122"/>
-                          <a:ea typeface="微软雅黑" panose="020B0503020204020204" charset="-122"/>
-                          <a:cs typeface="微软雅黑" panose="020B0503020204020204" charset="-122"/>
-                        </a:rPr>
-                        <a:t>1-2</a:t>
-                      </a:r>
-                      <a:r>
-                        <a:rPr lang="zh-CN" altLang="en-US" sz="2400">
-                          <a:latin typeface="微软雅黑" panose="020B0503020204020204" charset="-122"/>
-                          <a:ea typeface="微软雅黑" panose="020B0503020204020204" charset="-122"/>
-                          <a:cs typeface="微软雅黑" panose="020B0503020204020204" charset="-122"/>
-                        </a:rPr>
-                        <a:t>台</a:t>
-                      </a:r>
-                      <a:endParaRPr lang="zh-CN" altLang="en-US" sz="2400">
-                        <a:latin typeface="微软雅黑" panose="020B0503020204020204" charset="-122"/>
-                        <a:ea typeface="微软雅黑" panose="020B0503020204020204" charset="-122"/>
-                        <a:cs typeface="微软雅黑" panose="020B0503020204020204" charset="-122"/>
-                      </a:endParaRPr>
-                    </a:p>
-                  </a:txBody>
-                  <a:tcPr/>
-                </a:tc>
-                <a:tc>
-                  <a:txBody>
-                    <a:bodyPr/>
-                    <a:p>
-                      <a:pPr>
-                        <a:buNone/>
-                      </a:pPr>
-                      <a:r>
-                        <a:rPr lang="zh-CN" altLang="en-US" sz="2400">
-                          <a:latin typeface="微软雅黑" panose="020B0503020204020204" charset="-122"/>
-                          <a:ea typeface="微软雅黑" panose="020B0503020204020204" charset="-122"/>
-                        </a:rPr>
-                        <a:t>笔记本</a:t>
+                        <a:t>按照人员进行配置台式机或笔记本</a:t>
                       </a:r>
                       <a:endParaRPr lang="zh-CN" altLang="en-US" sz="2400">
                         <a:latin typeface="微软雅黑" panose="020B0503020204020204" charset="-122"/>
@@ -10194,7 +10083,7 @@
                 <a:ea typeface="微软雅黑" panose="020B0503020204020204" charset="-122"/>
                 <a:cs typeface="微软雅黑" panose="020B0503020204020204" charset="-122"/>
               </a:rPr>
-              <a:t>Git</a:t>
+              <a:t>SVN</a:t>
             </a:r>
             <a:r>
               <a:rPr lang="zh-CN" altLang="en-US">
@@ -10218,7 +10107,7 @@
                 <a:ea typeface="微软雅黑" panose="020B0503020204020204" charset="-122"/>
                 <a:cs typeface="微软雅黑" panose="020B0503020204020204" charset="-122"/>
               </a:rPr>
-              <a:t>gitblit</a:t>
+              <a:t>subversion</a:t>
             </a:r>
             <a:r>
               <a:rPr lang="zh-CN" altLang="en-US">
@@ -10303,7 +10192,7 @@
                 <a:ea typeface="微软雅黑" panose="020B0503020204020204" charset="-122"/>
                 <a:cs typeface="微软雅黑" panose="020B0503020204020204" charset="-122"/>
               </a:rPr>
-              <a:t>Git</a:t>
+              <a:t>TortoiseSVN </a:t>
             </a:r>
             <a:r>
               <a:rPr lang="zh-CN" altLang="en-US">
@@ -10329,28 +10218,12 @@
               <a:t>       需要桌面客户端可以使用</a:t>
             </a:r>
             <a:r>
-              <a:rPr lang="en-US" altLang="zh-CN">
+              <a:rPr>
                 <a:latin typeface="微软雅黑" panose="020B0503020204020204" charset="-122"/>
                 <a:ea typeface="微软雅黑" panose="020B0503020204020204" charset="-122"/>
                 <a:cs typeface="微软雅黑" panose="020B0503020204020204" charset="-122"/>
               </a:rPr>
-              <a:t>SourceTree</a:t>
-            </a:r>
-            <a:r>
-              <a:rPr lang="zh-CN" altLang="en-US">
-                <a:latin typeface="微软雅黑" panose="020B0503020204020204" charset="-122"/>
-                <a:ea typeface="微软雅黑" panose="020B0503020204020204" charset="-122"/>
-                <a:cs typeface="微软雅黑" panose="020B0503020204020204" charset="-122"/>
-              </a:rPr>
-              <a:t>或者</a:t>
-            </a:r>
-            <a:r>
-              <a:rPr lang="en-US" altLang="zh-CN">
-                <a:latin typeface="微软雅黑" panose="020B0503020204020204" charset="-122"/>
-                <a:ea typeface="微软雅黑" panose="020B0503020204020204" charset="-122"/>
-                <a:cs typeface="微软雅黑" panose="020B0503020204020204" charset="-122"/>
-              </a:rPr>
-              <a:t>TortoiseGit</a:t>
+              <a:t>TortoiseSVN</a:t>
             </a:r>
             <a:r>
               <a:rPr lang="zh-CN" altLang="en-US">
@@ -10397,7 +10270,7 @@
                 <a:ea typeface="微软雅黑" panose="020B0503020204020204" charset="-122"/>
                 <a:cs typeface="微软雅黑" panose="020B0503020204020204" charset="-122"/>
               </a:rPr>
-              <a:t>git</a:t>
+              <a:t>subversion</a:t>
             </a:r>
             <a:r>
               <a:rPr lang="zh-CN" altLang="en-US">
@@ -10675,7 +10548,7 @@
                 <a:ea typeface="微软雅黑" panose="020B0503020204020204" charset="-122"/>
                 <a:cs typeface="微软雅黑" panose="020B0503020204020204" charset="-122"/>
               </a:rPr>
-              <a:t>IntelliJ IDEA</a:t>
+              <a:t>IntelliJ IDEA/MyEclipse</a:t>
             </a:r>
             <a:r>
               <a:rPr lang="zh-CN" altLang="en-US">
@@ -10729,7 +10602,15 @@
                 <a:ea typeface="微软雅黑" panose="020B0503020204020204" charset="-122"/>
                 <a:cs typeface="微软雅黑" panose="020B0503020204020204" charset="-122"/>
               </a:rPr>
-              <a:t>其他开发：</a:t>
+              <a:t>移 动  端  </a:t>
+            </a:r>
+            <a:r>
+              <a:rPr lang="en-US" altLang="zh-CN">
+                <a:latin typeface="微软雅黑" panose="020B0503020204020204" charset="-122"/>
+                <a:ea typeface="微软雅黑" panose="020B0503020204020204" charset="-122"/>
+                <a:cs typeface="微软雅黑" panose="020B0503020204020204" charset="-122"/>
+              </a:rPr>
+              <a:t>:  AndroidStudio/XCode/IonicCli</a:t>
             </a:r>
             <a:endParaRPr lang="zh-CN" altLang="en-US">
               <a:latin typeface="微软雅黑" panose="020B0503020204020204" charset="-122"/>
@@ -10744,6 +10625,21 @@
                 <a:ea typeface="微软雅黑" panose="020B0503020204020204" charset="-122"/>
                 <a:cs typeface="微软雅黑" panose="020B0503020204020204" charset="-122"/>
               </a:rPr>
+              <a:t>其他开发：</a:t>
+            </a:r>
+            <a:endParaRPr lang="zh-CN" altLang="en-US">
+              <a:latin typeface="微软雅黑" panose="020B0503020204020204" charset="-122"/>
+              <a:ea typeface="微软雅黑" panose="020B0503020204020204" charset="-122"/>
+              <a:cs typeface="微软雅黑" panose="020B0503020204020204" charset="-122"/>
+            </a:endParaRPr>
+          </a:p>
+          <a:p>
+            <a:r>
+              <a:rPr lang="zh-CN" altLang="en-US">
+                <a:latin typeface="微软雅黑" panose="020B0503020204020204" charset="-122"/>
+                <a:ea typeface="微软雅黑" panose="020B0503020204020204" charset="-122"/>
+                <a:cs typeface="微软雅黑" panose="020B0503020204020204" charset="-122"/>
+              </a:rPr>
               <a:t>        </a:t>
             </a:r>
             <a:r>
@@ -10768,7 +10664,7 @@
                 <a:ea typeface="微软雅黑" panose="020B0503020204020204" charset="-122"/>
                 <a:cs typeface="微软雅黑" panose="020B0503020204020204" charset="-122"/>
               </a:rPr>
-              <a:t>-Visual Stdio</a:t>
+              <a:t>-Visual Studio</a:t>
             </a:r>
             <a:r>
               <a:rPr lang="zh-CN" altLang="en-US">

--- a/部门建设.pptx
+++ b/部门建设.pptx
@@ -10610,7 +10610,7 @@
                 <a:ea typeface="微软雅黑" panose="020B0503020204020204" charset="-122"/>
                 <a:cs typeface="微软雅黑" panose="020B0503020204020204" charset="-122"/>
               </a:rPr>
-              <a:t>:  AndroidStudio/XCode/IonicCli</a:t>
+              <a:t>:  AndroidStudio/XCode/IonicCli/HBuilder</a:t>
             </a:r>
             <a:endParaRPr lang="zh-CN" altLang="en-US">
               <a:latin typeface="微软雅黑" panose="020B0503020204020204" charset="-122"/>

--- a/部门建设.pptx
+++ b/部门建设.pptx
@@ -7380,7 +7380,21 @@
                         </a:rPr>
                         <a:t>版）</a:t>
                       </a:r>
-                      <a:endParaRPr lang="zh-CN" altLang="en-US" sz="2400">
+                      <a:r>
+                        <a:rPr lang="en-US" altLang="zh-CN" sz="2400">
+                          <a:latin typeface="微软雅黑" panose="020B0503020204020204" charset="-122"/>
+                          <a:ea typeface="微软雅黑" panose="020B0503020204020204" charset="-122"/>
+                        </a:rPr>
+                        <a:t>/</a:t>
+                      </a:r>
+                      <a:r>
+                        <a:rPr lang="zh-CN" altLang="zh-CN" sz="2400">
+                          <a:latin typeface="微软雅黑" panose="020B0503020204020204" charset="-122"/>
+                          <a:ea typeface="微软雅黑" panose="020B0503020204020204" charset="-122"/>
+                        </a:rPr>
+                        <a:t>同等配置组装机</a:t>
+                      </a:r>
+                      <a:endParaRPr lang="zh-CN" altLang="zh-CN" sz="2400">
                         <a:latin typeface="微软雅黑" panose="020B0503020204020204" charset="-122"/>
                         <a:ea typeface="微软雅黑" panose="020B0503020204020204" charset="-122"/>
                       </a:endParaRPr>
@@ -8810,6 +8824,9 @@
           <a:prstGeom prst="roundRect">
             <a:avLst/>
           </a:prstGeom>
+          <a:ln>
+            <a:prstDash val="sysDash"/>
+          </a:ln>
         </p:spPr>
         <p:style>
           <a:lnRef idx="1">
@@ -8951,6 +8968,9 @@
           <a:prstGeom prst="roundRect">
             <a:avLst/>
           </a:prstGeom>
+          <a:ln>
+            <a:prstDash val="sysDash"/>
+          </a:ln>
         </p:spPr>
         <p:style>
           <a:lnRef idx="1">
@@ -8998,6 +9018,9 @@
           <a:prstGeom prst="roundRect">
             <a:avLst/>
           </a:prstGeom>
+          <a:ln>
+            <a:prstDash val="sysDash"/>
+          </a:ln>
         </p:spPr>
         <p:style>
           <a:lnRef idx="1">
